--- a/documentation/pres_second_part.pptx
+++ b/documentation/pres_second_part.pptx
@@ -9735,7 +9735,7 @@
         <p:spPr>
           <a:xfrm>
             <a:off x="904447" y="521664"/>
-            <a:ext cx="5405335" cy="941400"/>
+            <a:ext cx="5405335" cy="479159"/>
           </a:xfrm>
           <a:prstGeom prst="rect">
             <a:avLst/>
@@ -9821,56 +9821,24 @@
         </p:nvSpPr>
         <p:spPr>
           <a:xfrm>
-            <a:off x="938500" y="1246025"/>
-            <a:ext cx="7172100" cy="1009995"/>
+            <a:off x="1281338" y="1573079"/>
+            <a:ext cx="2886264" cy="714264"/>
           </a:xfrm>
         </p:spPr>
         <p:txBody>
           <a:bodyPr/>
           <a:lstStyle/>
           <a:p>
-            <a:pPr>
+            <a:pPr marL="155575" indent="0">
               <a:lnSpc>
                 <a:spcPct val="150000"/>
               </a:lnSpc>
+              <a:buNone/>
             </a:pPr>
             <a:r>
-              <a:rPr lang="it-IT" sz="2800" dirty="0" err="1"/>
-              <a:t>Add</a:t>
+              <a:rPr lang="it-IT" sz="2000" dirty="0"/>
+              <a:t>ADD NEW INTENT</a:t>
             </a:r>
-            <a:r>
-              <a:rPr lang="it-IT" sz="2800" dirty="0"/>
-              <a:t> new </a:t>
-            </a:r>
-            <a:r>
-              <a:rPr lang="it-IT" sz="2800" dirty="0" err="1"/>
-              <a:t>intent</a:t>
-            </a:r>
-            <a:endParaRPr lang="it-IT" sz="2800" dirty="0"/>
-          </a:p>
-          <a:p>
-            <a:pPr>
-              <a:lnSpc>
-                <a:spcPct val="150000"/>
-              </a:lnSpc>
-            </a:pPr>
-            <a:endParaRPr lang="it-IT" sz="2800" dirty="0"/>
-          </a:p>
-          <a:p>
-            <a:pPr>
-              <a:lnSpc>
-                <a:spcPct val="150000"/>
-              </a:lnSpc>
-            </a:pPr>
-            <a:r>
-              <a:rPr lang="it-IT" sz="2800" dirty="0"/>
-              <a:t>Delete </a:t>
-            </a:r>
-            <a:r>
-              <a:rPr lang="it-IT" sz="2800" dirty="0" err="1"/>
-              <a:t>intent</a:t>
-            </a:r>
-            <a:endParaRPr lang="it-IT" sz="2800" dirty="0"/>
           </a:p>
         </p:txBody>
       </p:sp>
@@ -9902,7 +9870,7 @@
         </p:blipFill>
         <p:spPr>
           <a:xfrm>
-            <a:off x="4781862" y="1163729"/>
+            <a:off x="447247" y="1414906"/>
             <a:ext cx="914400" cy="914400"/>
           </a:xfrm>
           <a:prstGeom prst="rect">
@@ -9938,7 +9906,7 @@
         </p:blipFill>
         <p:spPr>
           <a:xfrm>
-            <a:off x="4781862" y="2720194"/>
+            <a:off x="444789" y="3233918"/>
             <a:ext cx="914400" cy="914400"/>
           </a:xfrm>
           <a:prstGeom prst="rect">
@@ -9946,6 +9914,1250 @@
           </a:prstGeom>
         </p:spPr>
       </p:pic>
+      <p:sp>
+        <p:nvSpPr>
+          <p:cNvPr id="3" name="CasellaDiTesto 2">
+            <a:extLst>
+              <a:ext uri="{FF2B5EF4-FFF2-40B4-BE49-F238E27FC236}">
+                <a16:creationId xmlns:a16="http://schemas.microsoft.com/office/drawing/2014/main" id="{E66DE116-C8BD-4E21-AE6D-957ECAC39144}"/>
+              </a:ext>
+            </a:extLst>
+          </p:cNvPr>
+          <p:cNvSpPr txBox="1"/>
+          <p:nvPr/>
+        </p:nvSpPr>
+        <p:spPr>
+          <a:xfrm>
+            <a:off x="1470057" y="1328505"/>
+            <a:ext cx="1322535" cy="276999"/>
+          </a:xfrm>
+          <a:prstGeom prst="rect">
+            <a:avLst/>
+          </a:prstGeom>
+          <a:noFill/>
+        </p:spPr>
+        <p:txBody>
+          <a:bodyPr wrap="square" rtlCol="0">
+            <a:spAutoFit/>
+          </a:bodyPr>
+          <a:lstStyle/>
+          <a:p>
+            <a:pPr>
+              <a:buClr>
+                <a:schemeClr val="bg1"/>
+              </a:buClr>
+            </a:pPr>
+            <a:r>
+              <a:rPr lang="it-IT" sz="1200" dirty="0">
+                <a:solidFill>
+                  <a:schemeClr val="bg1"/>
+                </a:solidFill>
+                <a:latin typeface="Abadi" panose="020B0604020104020204" pitchFamily="34" charset="0"/>
+                <a:cs typeface="Courier New" panose="02070309020205020404" pitchFamily="49" charset="0"/>
+              </a:rPr>
+              <a:t>@</a:t>
+            </a:r>
+            <a:r>
+              <a:rPr lang="it-IT" sz="1200" dirty="0">
+                <a:solidFill>
+                  <a:schemeClr val="tx1">
+                    <a:lumMod val="25000"/>
+                    <a:lumOff val="75000"/>
+                  </a:schemeClr>
+                </a:solidFill>
+                <a:latin typeface="Abadi" panose="020B0604020104020204" pitchFamily="34" charset="0"/>
+                <a:cs typeface="Courier New" panose="02070309020205020404" pitchFamily="49" charset="0"/>
+              </a:rPr>
+              <a:t>Post</a:t>
+            </a:r>
+            <a:r>
+              <a:rPr lang="it-IT" sz="1200" dirty="0">
+                <a:solidFill>
+                  <a:schemeClr val="bg1"/>
+                </a:solidFill>
+                <a:latin typeface="Abadi" panose="020B0604020104020204" pitchFamily="34" charset="0"/>
+                <a:cs typeface="Courier New" panose="02070309020205020404" pitchFamily="49" charset="0"/>
+              </a:rPr>
+              <a:t>( </a:t>
+            </a:r>
+            <a:r>
+              <a:rPr lang="it-IT" sz="1200" dirty="0">
+                <a:solidFill>
+                  <a:schemeClr val="accent1">
+                    <a:lumMod val="75000"/>
+                  </a:schemeClr>
+                </a:solidFill>
+                <a:latin typeface="Abadi" panose="020B0604020104020204" pitchFamily="34" charset="0"/>
+                <a:cs typeface="Courier New" panose="02070309020205020404" pitchFamily="49" charset="0"/>
+              </a:rPr>
+              <a:t>″</a:t>
+            </a:r>
+            <a:r>
+              <a:rPr lang="it-IT" sz="1200" dirty="0" err="1">
+                <a:solidFill>
+                  <a:schemeClr val="accent1">
+                    <a:lumMod val="75000"/>
+                  </a:schemeClr>
+                </a:solidFill>
+                <a:latin typeface="Abadi" panose="020B0604020104020204" pitchFamily="34" charset="0"/>
+                <a:cs typeface="Courier New" panose="02070309020205020404" pitchFamily="49" charset="0"/>
+              </a:rPr>
+              <a:t>json</a:t>
+            </a:r>
+            <a:r>
+              <a:rPr lang="it-IT" sz="1200" dirty="0">
+                <a:solidFill>
+                  <a:schemeClr val="accent1">
+                    <a:lumMod val="75000"/>
+                  </a:schemeClr>
+                </a:solidFill>
+                <a:latin typeface="Abadi" panose="020B0604020104020204" pitchFamily="34" charset="0"/>
+                <a:cs typeface="Courier New" panose="02070309020205020404" pitchFamily="49" charset="0"/>
+              </a:rPr>
+              <a:t>″</a:t>
+            </a:r>
+            <a:r>
+              <a:rPr lang="it-IT" sz="1200" dirty="0">
+                <a:solidFill>
+                  <a:schemeClr val="bg1"/>
+                </a:solidFill>
+                <a:latin typeface="Abadi" panose="020B0604020104020204" pitchFamily="34" charset="0"/>
+                <a:cs typeface="Courier New" panose="02070309020205020404" pitchFamily="49" charset="0"/>
+              </a:rPr>
+              <a:t>)</a:t>
+            </a:r>
+            <a:endParaRPr lang="it-IT" sz="1200" dirty="0">
+              <a:solidFill>
+                <a:schemeClr val="accent1">
+                  <a:lumMod val="75000"/>
+                </a:schemeClr>
+              </a:solidFill>
+              <a:latin typeface="Courier New" panose="02070309020205020404" pitchFamily="49" charset="0"/>
+              <a:cs typeface="Courier New" panose="02070309020205020404" pitchFamily="49" charset="0"/>
+            </a:endParaRPr>
+          </a:p>
+        </p:txBody>
+      </p:sp>
+      <p:cxnSp>
+        <p:nvCxnSpPr>
+          <p:cNvPr id="10" name="Google Shape;172;p39">
+            <a:extLst>
+              <a:ext uri="{FF2B5EF4-FFF2-40B4-BE49-F238E27FC236}">
+                <a16:creationId xmlns:a16="http://schemas.microsoft.com/office/drawing/2014/main" id="{2090EF90-BDA3-4048-99DA-77FB99425298}"/>
+              </a:ext>
+            </a:extLst>
+          </p:cNvPr>
+          <p:cNvCxnSpPr>
+            <a:cxnSpLocks/>
+          </p:cNvCxnSpPr>
+          <p:nvPr/>
+        </p:nvCxnSpPr>
+        <p:spPr>
+          <a:xfrm>
+            <a:off x="1527482" y="1664302"/>
+            <a:ext cx="2556730" cy="0"/>
+          </a:xfrm>
+          <a:prstGeom prst="straightConnector1">
+            <a:avLst/>
+          </a:prstGeom>
+          <a:noFill/>
+          <a:ln w="9525" cap="flat" cmpd="sng">
+            <a:solidFill>
+              <a:srgbClr val="00B050"/>
+            </a:solidFill>
+            <a:prstDash val="solid"/>
+            <a:round/>
+            <a:headEnd type="none" w="med" len="med"/>
+            <a:tailEnd type="none" w="med" len="med"/>
+          </a:ln>
+          <a:effectLst>
+            <a:outerShdw blurRad="57150" dist="19050" dir="5400000" algn="bl" rotWithShape="0">
+              <a:srgbClr val="FFFFFF">
+                <a:alpha val="50000"/>
+              </a:srgbClr>
+            </a:outerShdw>
+          </a:effectLst>
+        </p:spPr>
+      </p:cxnSp>
+      <p:sp>
+        <p:nvSpPr>
+          <p:cNvPr id="6" name="CasellaDiTesto 5">
+            <a:extLst>
+              <a:ext uri="{FF2B5EF4-FFF2-40B4-BE49-F238E27FC236}">
+                <a16:creationId xmlns:a16="http://schemas.microsoft.com/office/drawing/2014/main" id="{E0D1EB98-46EF-488E-BE39-B76515064CFA}"/>
+              </a:ext>
+            </a:extLst>
+          </p:cNvPr>
+          <p:cNvSpPr txBox="1"/>
+          <p:nvPr/>
+        </p:nvSpPr>
+        <p:spPr>
+          <a:xfrm>
+            <a:off x="1499286" y="2102787"/>
+            <a:ext cx="1834156" cy="615105"/>
+          </a:xfrm>
+          <a:prstGeom prst="rect">
+            <a:avLst/>
+          </a:prstGeom>
+          <a:noFill/>
+        </p:spPr>
+        <p:txBody>
+          <a:bodyPr wrap="none" rtlCol="0">
+            <a:spAutoFit/>
+          </a:bodyPr>
+          <a:lstStyle/>
+          <a:p>
+            <a:pPr marL="285750" indent="-285750">
+              <a:lnSpc>
+                <a:spcPct val="150000"/>
+              </a:lnSpc>
+              <a:buClr>
+                <a:schemeClr val="bg1"/>
+              </a:buClr>
+              <a:buFont typeface="Arial" panose="020B0604020202020204" pitchFamily="34" charset="0"/>
+              <a:buChar char="•"/>
+            </a:pPr>
+            <a:r>
+              <a:rPr lang="it-IT" sz="1200" dirty="0">
+                <a:solidFill>
+                  <a:schemeClr val="bg1"/>
+                </a:solidFill>
+                <a:latin typeface="Montserrat" panose="00000500000000000000" pitchFamily="2" charset="0"/>
+              </a:rPr>
+              <a:t>host1_IP, host2_IP</a:t>
+            </a:r>
+          </a:p>
+          <a:p>
+            <a:pPr marL="285750" indent="-285750">
+              <a:lnSpc>
+                <a:spcPct val="150000"/>
+              </a:lnSpc>
+              <a:buClr>
+                <a:schemeClr val="bg1"/>
+              </a:buClr>
+              <a:buFont typeface="Arial" panose="020B0604020202020204" pitchFamily="34" charset="0"/>
+              <a:buChar char="•"/>
+            </a:pPr>
+            <a:r>
+              <a:rPr lang="it-IT" sz="1200" dirty="0" err="1">
+                <a:solidFill>
+                  <a:schemeClr val="bg1"/>
+                </a:solidFill>
+                <a:latin typeface="Montserrat" panose="00000500000000000000" pitchFamily="2" charset="0"/>
+              </a:rPr>
+              <a:t>timeout</a:t>
+            </a:r>
+            <a:endParaRPr lang="it-IT" sz="1200" dirty="0">
+              <a:solidFill>
+                <a:schemeClr val="bg1"/>
+              </a:solidFill>
+              <a:latin typeface="Montserrat" panose="00000500000000000000" pitchFamily="2" charset="0"/>
+            </a:endParaRPr>
+          </a:p>
+        </p:txBody>
+      </p:sp>
+      <p:sp>
+        <p:nvSpPr>
+          <p:cNvPr id="12" name="Segnaposto testo 3">
+            <a:extLst>
+              <a:ext uri="{FF2B5EF4-FFF2-40B4-BE49-F238E27FC236}">
+                <a16:creationId xmlns:a16="http://schemas.microsoft.com/office/drawing/2014/main" id="{4E5252B1-90B0-432E-8C2F-2C39887FABFC}"/>
+              </a:ext>
+            </a:extLst>
+          </p:cNvPr>
+          <p:cNvSpPr txBox="1">
+            <a:spLocks/>
+          </p:cNvSpPr>
+          <p:nvPr/>
+        </p:nvSpPr>
+        <p:spPr>
+          <a:xfrm>
+            <a:off x="1266753" y="3319189"/>
+            <a:ext cx="2884451" cy="714264"/>
+          </a:xfrm>
+          <a:prstGeom prst="rect">
+            <a:avLst/>
+          </a:prstGeom>
+          <a:noFill/>
+          <a:ln>
+            <a:noFill/>
+          </a:ln>
+        </p:spPr>
+        <p:txBody>
+          <a:bodyPr spcFirstLastPara="1" wrap="square" lIns="91425" tIns="91425" rIns="91425" bIns="91425" anchor="t" anchorCtr="0">
+            <a:noAutofit/>
+          </a:bodyPr>
+          <a:lstStyle>
+            <a:defPPr marR="0" lvl="0" algn="l" rtl="0">
+              <a:lnSpc>
+                <a:spcPct val="100000"/>
+              </a:lnSpc>
+              <a:spcBef>
+                <a:spcPts val="0"/>
+              </a:spcBef>
+              <a:spcAft>
+                <a:spcPts val="0"/>
+              </a:spcAft>
+            </a:defPPr>
+            <a:lvl1pPr marL="457200" marR="0" lvl="0" indent="-301625" algn="l" rtl="0">
+              <a:lnSpc>
+                <a:spcPct val="100000"/>
+              </a:lnSpc>
+              <a:spcBef>
+                <a:spcPts val="0"/>
+              </a:spcBef>
+              <a:spcAft>
+                <a:spcPts val="0"/>
+              </a:spcAft>
+              <a:buClr>
+                <a:schemeClr val="lt1"/>
+              </a:buClr>
+              <a:buSzPts val="1150"/>
+              <a:buFont typeface="Montserrat"/>
+              <a:buChar char="●"/>
+              <a:defRPr sz="1150" b="0" i="0" u="none" strike="noStrike" cap="none">
+                <a:solidFill>
+                  <a:schemeClr val="lt1"/>
+                </a:solidFill>
+                <a:latin typeface="Montserrat"/>
+                <a:ea typeface="Montserrat"/>
+                <a:cs typeface="Montserrat"/>
+                <a:sym typeface="Montserrat"/>
+              </a:defRPr>
+            </a:lvl1pPr>
+            <a:lvl2pPr marL="914400" marR="0" lvl="1" indent="-301625" algn="l" rtl="0">
+              <a:lnSpc>
+                <a:spcPct val="100000"/>
+              </a:lnSpc>
+              <a:spcBef>
+                <a:spcPts val="1600"/>
+              </a:spcBef>
+              <a:spcAft>
+                <a:spcPts val="0"/>
+              </a:spcAft>
+              <a:buClr>
+                <a:schemeClr val="lt1"/>
+              </a:buClr>
+              <a:buSzPts val="1150"/>
+              <a:buFont typeface="Montserrat"/>
+              <a:buChar char="○"/>
+              <a:defRPr sz="1150" b="0" i="0" u="none" strike="noStrike" cap="none">
+                <a:solidFill>
+                  <a:schemeClr val="lt1"/>
+                </a:solidFill>
+                <a:latin typeface="Montserrat"/>
+                <a:ea typeface="Montserrat"/>
+                <a:cs typeface="Montserrat"/>
+                <a:sym typeface="Montserrat"/>
+              </a:defRPr>
+            </a:lvl2pPr>
+            <a:lvl3pPr marL="1371600" marR="0" lvl="2" indent="-301625" algn="l" rtl="0">
+              <a:lnSpc>
+                <a:spcPct val="100000"/>
+              </a:lnSpc>
+              <a:spcBef>
+                <a:spcPts val="1600"/>
+              </a:spcBef>
+              <a:spcAft>
+                <a:spcPts val="0"/>
+              </a:spcAft>
+              <a:buClr>
+                <a:schemeClr val="lt1"/>
+              </a:buClr>
+              <a:buSzPts val="1150"/>
+              <a:buFont typeface="Montserrat"/>
+              <a:buChar char="■"/>
+              <a:defRPr sz="1150" b="0" i="0" u="none" strike="noStrike" cap="none">
+                <a:solidFill>
+                  <a:schemeClr val="lt1"/>
+                </a:solidFill>
+                <a:latin typeface="Montserrat"/>
+                <a:ea typeface="Montserrat"/>
+                <a:cs typeface="Montserrat"/>
+                <a:sym typeface="Montserrat"/>
+              </a:defRPr>
+            </a:lvl3pPr>
+            <a:lvl4pPr marL="1828800" marR="0" lvl="3" indent="-301625" algn="l" rtl="0">
+              <a:lnSpc>
+                <a:spcPct val="100000"/>
+              </a:lnSpc>
+              <a:spcBef>
+                <a:spcPts val="1600"/>
+              </a:spcBef>
+              <a:spcAft>
+                <a:spcPts val="0"/>
+              </a:spcAft>
+              <a:buClr>
+                <a:schemeClr val="lt1"/>
+              </a:buClr>
+              <a:buSzPts val="1150"/>
+              <a:buFont typeface="Montserrat"/>
+              <a:buChar char="●"/>
+              <a:defRPr sz="1150" b="0" i="0" u="none" strike="noStrike" cap="none">
+                <a:solidFill>
+                  <a:schemeClr val="lt1"/>
+                </a:solidFill>
+                <a:latin typeface="Montserrat"/>
+                <a:ea typeface="Montserrat"/>
+                <a:cs typeface="Montserrat"/>
+                <a:sym typeface="Montserrat"/>
+              </a:defRPr>
+            </a:lvl4pPr>
+            <a:lvl5pPr marL="2286000" marR="0" lvl="4" indent="-301625" algn="l" rtl="0">
+              <a:lnSpc>
+                <a:spcPct val="100000"/>
+              </a:lnSpc>
+              <a:spcBef>
+                <a:spcPts val="1600"/>
+              </a:spcBef>
+              <a:spcAft>
+                <a:spcPts val="0"/>
+              </a:spcAft>
+              <a:buClr>
+                <a:schemeClr val="lt1"/>
+              </a:buClr>
+              <a:buSzPts val="1150"/>
+              <a:buFont typeface="Montserrat"/>
+              <a:buChar char="○"/>
+              <a:defRPr sz="1150" b="0" i="0" u="none" strike="noStrike" cap="none">
+                <a:solidFill>
+                  <a:schemeClr val="lt1"/>
+                </a:solidFill>
+                <a:latin typeface="Montserrat"/>
+                <a:ea typeface="Montserrat"/>
+                <a:cs typeface="Montserrat"/>
+                <a:sym typeface="Montserrat"/>
+              </a:defRPr>
+            </a:lvl5pPr>
+            <a:lvl6pPr marL="2743200" marR="0" lvl="5" indent="-301625" algn="l" rtl="0">
+              <a:lnSpc>
+                <a:spcPct val="100000"/>
+              </a:lnSpc>
+              <a:spcBef>
+                <a:spcPts val="1600"/>
+              </a:spcBef>
+              <a:spcAft>
+                <a:spcPts val="0"/>
+              </a:spcAft>
+              <a:buClr>
+                <a:schemeClr val="lt1"/>
+              </a:buClr>
+              <a:buSzPts val="1150"/>
+              <a:buFont typeface="Montserrat"/>
+              <a:buChar char="■"/>
+              <a:defRPr sz="1150" b="0" i="0" u="none" strike="noStrike" cap="none">
+                <a:solidFill>
+                  <a:schemeClr val="lt1"/>
+                </a:solidFill>
+                <a:latin typeface="Montserrat"/>
+                <a:ea typeface="Montserrat"/>
+                <a:cs typeface="Montserrat"/>
+                <a:sym typeface="Montserrat"/>
+              </a:defRPr>
+            </a:lvl6pPr>
+            <a:lvl7pPr marL="3200400" marR="0" lvl="6" indent="-301625" algn="l" rtl="0">
+              <a:lnSpc>
+                <a:spcPct val="100000"/>
+              </a:lnSpc>
+              <a:spcBef>
+                <a:spcPts val="1600"/>
+              </a:spcBef>
+              <a:spcAft>
+                <a:spcPts val="0"/>
+              </a:spcAft>
+              <a:buClr>
+                <a:schemeClr val="lt1"/>
+              </a:buClr>
+              <a:buSzPts val="1150"/>
+              <a:buFont typeface="Montserrat"/>
+              <a:buChar char="●"/>
+              <a:defRPr sz="1150" b="0" i="0" u="none" strike="noStrike" cap="none">
+                <a:solidFill>
+                  <a:schemeClr val="lt1"/>
+                </a:solidFill>
+                <a:latin typeface="Montserrat"/>
+                <a:ea typeface="Montserrat"/>
+                <a:cs typeface="Montserrat"/>
+                <a:sym typeface="Montserrat"/>
+              </a:defRPr>
+            </a:lvl7pPr>
+            <a:lvl8pPr marL="3657600" marR="0" lvl="7" indent="-301625" algn="l" rtl="0">
+              <a:lnSpc>
+                <a:spcPct val="100000"/>
+              </a:lnSpc>
+              <a:spcBef>
+                <a:spcPts val="1600"/>
+              </a:spcBef>
+              <a:spcAft>
+                <a:spcPts val="0"/>
+              </a:spcAft>
+              <a:buClr>
+                <a:schemeClr val="lt1"/>
+              </a:buClr>
+              <a:buSzPts val="1150"/>
+              <a:buFont typeface="Montserrat"/>
+              <a:buChar char="○"/>
+              <a:defRPr sz="1150" b="0" i="0" u="none" strike="noStrike" cap="none">
+                <a:solidFill>
+                  <a:schemeClr val="lt1"/>
+                </a:solidFill>
+                <a:latin typeface="Montserrat"/>
+                <a:ea typeface="Montserrat"/>
+                <a:cs typeface="Montserrat"/>
+                <a:sym typeface="Montserrat"/>
+              </a:defRPr>
+            </a:lvl8pPr>
+            <a:lvl9pPr marL="4114800" marR="0" lvl="8" indent="-301625" algn="l" rtl="0">
+              <a:lnSpc>
+                <a:spcPct val="100000"/>
+              </a:lnSpc>
+              <a:spcBef>
+                <a:spcPts val="1600"/>
+              </a:spcBef>
+              <a:spcAft>
+                <a:spcPts val="1600"/>
+              </a:spcAft>
+              <a:buClr>
+                <a:schemeClr val="lt1"/>
+              </a:buClr>
+              <a:buSzPts val="1150"/>
+              <a:buFont typeface="Montserrat"/>
+              <a:buChar char="■"/>
+              <a:defRPr sz="1150" b="0" i="0" u="none" strike="noStrike" cap="none">
+                <a:solidFill>
+                  <a:schemeClr val="lt1"/>
+                </a:solidFill>
+                <a:latin typeface="Montserrat"/>
+                <a:ea typeface="Montserrat"/>
+                <a:cs typeface="Montserrat"/>
+                <a:sym typeface="Montserrat"/>
+              </a:defRPr>
+            </a:lvl9pPr>
+          </a:lstStyle>
+          <a:p>
+            <a:pPr marL="155575" indent="0">
+              <a:lnSpc>
+                <a:spcPct val="150000"/>
+              </a:lnSpc>
+              <a:buFont typeface="Montserrat"/>
+              <a:buNone/>
+            </a:pPr>
+            <a:r>
+              <a:rPr lang="it-IT" sz="2400" dirty="0"/>
+              <a:t>DELETE INTENT</a:t>
+            </a:r>
+          </a:p>
+        </p:txBody>
+      </p:sp>
+      <p:sp>
+        <p:nvSpPr>
+          <p:cNvPr id="14" name="CasellaDiTesto 13">
+            <a:extLst>
+              <a:ext uri="{FF2B5EF4-FFF2-40B4-BE49-F238E27FC236}">
+                <a16:creationId xmlns:a16="http://schemas.microsoft.com/office/drawing/2014/main" id="{9E0B1EB9-9A9C-42E4-B459-32D73C2C3BE8}"/>
+              </a:ext>
+            </a:extLst>
+          </p:cNvPr>
+          <p:cNvSpPr txBox="1"/>
+          <p:nvPr/>
+        </p:nvSpPr>
+        <p:spPr>
+          <a:xfrm>
+            <a:off x="1442106" y="3081542"/>
+            <a:ext cx="1322535" cy="276999"/>
+          </a:xfrm>
+          <a:prstGeom prst="rect">
+            <a:avLst/>
+          </a:prstGeom>
+          <a:noFill/>
+        </p:spPr>
+        <p:txBody>
+          <a:bodyPr wrap="square" rtlCol="0">
+            <a:spAutoFit/>
+          </a:bodyPr>
+          <a:lstStyle/>
+          <a:p>
+            <a:pPr>
+              <a:buClr>
+                <a:schemeClr val="bg1"/>
+              </a:buClr>
+            </a:pPr>
+            <a:r>
+              <a:rPr lang="it-IT" sz="1200" dirty="0">
+                <a:solidFill>
+                  <a:schemeClr val="bg1"/>
+                </a:solidFill>
+                <a:latin typeface="Abadi" panose="020B0604020104020204" pitchFamily="34" charset="0"/>
+                <a:cs typeface="Courier New" panose="02070309020205020404" pitchFamily="49" charset="0"/>
+              </a:rPr>
+              <a:t>@</a:t>
+            </a:r>
+            <a:r>
+              <a:rPr lang="it-IT" sz="1200" dirty="0">
+                <a:solidFill>
+                  <a:schemeClr val="tx1">
+                    <a:lumMod val="25000"/>
+                    <a:lumOff val="75000"/>
+                  </a:schemeClr>
+                </a:solidFill>
+                <a:latin typeface="Abadi" panose="020B0604020104020204" pitchFamily="34" charset="0"/>
+                <a:cs typeface="Courier New" panose="02070309020205020404" pitchFamily="49" charset="0"/>
+              </a:rPr>
+              <a:t>Post</a:t>
+            </a:r>
+            <a:r>
+              <a:rPr lang="it-IT" sz="1200" dirty="0">
+                <a:solidFill>
+                  <a:schemeClr val="bg1"/>
+                </a:solidFill>
+                <a:latin typeface="Abadi" panose="020B0604020104020204" pitchFamily="34" charset="0"/>
+                <a:cs typeface="Courier New" panose="02070309020205020404" pitchFamily="49" charset="0"/>
+              </a:rPr>
+              <a:t>( </a:t>
+            </a:r>
+            <a:r>
+              <a:rPr lang="it-IT" sz="1200" dirty="0">
+                <a:solidFill>
+                  <a:schemeClr val="accent1">
+                    <a:lumMod val="75000"/>
+                  </a:schemeClr>
+                </a:solidFill>
+                <a:latin typeface="Abadi" panose="020B0604020104020204" pitchFamily="34" charset="0"/>
+                <a:cs typeface="Courier New" panose="02070309020205020404" pitchFamily="49" charset="0"/>
+              </a:rPr>
+              <a:t>″</a:t>
+            </a:r>
+            <a:r>
+              <a:rPr lang="it-IT" sz="1200" dirty="0" err="1">
+                <a:solidFill>
+                  <a:schemeClr val="accent1">
+                    <a:lumMod val="75000"/>
+                  </a:schemeClr>
+                </a:solidFill>
+                <a:latin typeface="Abadi" panose="020B0604020104020204" pitchFamily="34" charset="0"/>
+                <a:cs typeface="Courier New" panose="02070309020205020404" pitchFamily="49" charset="0"/>
+              </a:rPr>
+              <a:t>json</a:t>
+            </a:r>
+            <a:r>
+              <a:rPr lang="it-IT" sz="1200" dirty="0">
+                <a:solidFill>
+                  <a:schemeClr val="accent1">
+                    <a:lumMod val="75000"/>
+                  </a:schemeClr>
+                </a:solidFill>
+                <a:latin typeface="Abadi" panose="020B0604020104020204" pitchFamily="34" charset="0"/>
+                <a:cs typeface="Courier New" panose="02070309020205020404" pitchFamily="49" charset="0"/>
+              </a:rPr>
+              <a:t>″</a:t>
+            </a:r>
+            <a:r>
+              <a:rPr lang="it-IT" sz="1200" dirty="0">
+                <a:solidFill>
+                  <a:schemeClr val="bg1"/>
+                </a:solidFill>
+                <a:latin typeface="Abadi" panose="020B0604020104020204" pitchFamily="34" charset="0"/>
+                <a:cs typeface="Courier New" panose="02070309020205020404" pitchFamily="49" charset="0"/>
+              </a:rPr>
+              <a:t>)</a:t>
+            </a:r>
+            <a:endParaRPr lang="it-IT" sz="1200" dirty="0">
+              <a:solidFill>
+                <a:schemeClr val="accent1">
+                  <a:lumMod val="75000"/>
+                </a:schemeClr>
+              </a:solidFill>
+              <a:latin typeface="Courier New" panose="02070309020205020404" pitchFamily="49" charset="0"/>
+              <a:cs typeface="Courier New" panose="02070309020205020404" pitchFamily="49" charset="0"/>
+            </a:endParaRPr>
+          </a:p>
+        </p:txBody>
+      </p:sp>
+      <p:cxnSp>
+        <p:nvCxnSpPr>
+          <p:cNvPr id="15" name="Google Shape;172;p39">
+            <a:extLst>
+              <a:ext uri="{FF2B5EF4-FFF2-40B4-BE49-F238E27FC236}">
+                <a16:creationId xmlns:a16="http://schemas.microsoft.com/office/drawing/2014/main" id="{007F4E4C-E9E6-4594-A6F3-BA589F427495}"/>
+              </a:ext>
+            </a:extLst>
+          </p:cNvPr>
+          <p:cNvCxnSpPr>
+            <a:cxnSpLocks/>
+          </p:cNvCxnSpPr>
+          <p:nvPr/>
+        </p:nvCxnSpPr>
+        <p:spPr>
+          <a:xfrm>
+            <a:off x="1525024" y="3442924"/>
+            <a:ext cx="2465274" cy="22815"/>
+          </a:xfrm>
+          <a:prstGeom prst="straightConnector1">
+            <a:avLst/>
+          </a:prstGeom>
+          <a:noFill/>
+          <a:ln w="9525" cap="flat" cmpd="sng">
+            <a:solidFill>
+              <a:srgbClr val="FF0000"/>
+            </a:solidFill>
+            <a:prstDash val="solid"/>
+            <a:round/>
+            <a:headEnd type="none" w="med" len="med"/>
+            <a:tailEnd type="none" w="med" len="med"/>
+          </a:ln>
+          <a:effectLst>
+            <a:outerShdw blurRad="57150" dist="19050" dir="5400000" algn="bl" rotWithShape="0">
+              <a:srgbClr val="FFFFFF">
+                <a:alpha val="50000"/>
+              </a:srgbClr>
+            </a:outerShdw>
+          </a:effectLst>
+        </p:spPr>
+      </p:cxnSp>
+      <p:sp>
+        <p:nvSpPr>
+          <p:cNvPr id="16" name="CasellaDiTesto 15">
+            <a:extLst>
+              <a:ext uri="{FF2B5EF4-FFF2-40B4-BE49-F238E27FC236}">
+                <a16:creationId xmlns:a16="http://schemas.microsoft.com/office/drawing/2014/main" id="{1ADE4A0E-7888-418E-B598-DE2B31BDF03A}"/>
+              </a:ext>
+            </a:extLst>
+          </p:cNvPr>
+          <p:cNvSpPr txBox="1"/>
+          <p:nvPr/>
+        </p:nvSpPr>
+        <p:spPr>
+          <a:xfrm>
+            <a:off x="1453864" y="3963022"/>
+            <a:ext cx="1834156" cy="338106"/>
+          </a:xfrm>
+          <a:prstGeom prst="rect">
+            <a:avLst/>
+          </a:prstGeom>
+          <a:noFill/>
+        </p:spPr>
+        <p:txBody>
+          <a:bodyPr wrap="none" rtlCol="0">
+            <a:spAutoFit/>
+          </a:bodyPr>
+          <a:lstStyle/>
+          <a:p>
+            <a:pPr marL="285750" indent="-285750">
+              <a:lnSpc>
+                <a:spcPct val="150000"/>
+              </a:lnSpc>
+              <a:buClr>
+                <a:schemeClr val="bg1"/>
+              </a:buClr>
+              <a:buFont typeface="Arial" panose="020B0604020202020204" pitchFamily="34" charset="0"/>
+              <a:buChar char="•"/>
+            </a:pPr>
+            <a:r>
+              <a:rPr lang="it-IT" sz="1200" dirty="0">
+                <a:solidFill>
+                  <a:schemeClr val="bg1"/>
+                </a:solidFill>
+                <a:latin typeface="Montserrat" panose="00000500000000000000" pitchFamily="2" charset="0"/>
+              </a:rPr>
+              <a:t>host1_IP, host2_IP</a:t>
+            </a:r>
+          </a:p>
+        </p:txBody>
+      </p:sp>
+      <p:pic>
+        <p:nvPicPr>
+          <p:cNvPr id="27" name="Elemento grafico 26" descr="Badge Non seguire più con riempimento a tinta unita">
+            <a:extLst>
+              <a:ext uri="{FF2B5EF4-FFF2-40B4-BE49-F238E27FC236}">
+                <a16:creationId xmlns:a16="http://schemas.microsoft.com/office/drawing/2014/main" id="{7E5B3FC9-3E4D-4725-97FC-BCF3D79AEEC9}"/>
+              </a:ext>
+            </a:extLst>
+          </p:cNvPr>
+          <p:cNvPicPr>
+            <a:picLocks noChangeAspect="1"/>
+          </p:cNvPicPr>
+          <p:nvPr/>
+        </p:nvPicPr>
+        <p:blipFill>
+          <a:blip r:embed="rId5">
+            <a:extLst>
+              <a:ext uri="{96DAC541-7B7A-43D3-8B79-37D633B846F1}">
+                <asvg:svgBlip xmlns:asvg="http://schemas.microsoft.com/office/drawing/2016/SVG/main" r:embed="rId6"/>
+              </a:ext>
+            </a:extLst>
+          </a:blip>
+          <a:stretch>
+            <a:fillRect/>
+          </a:stretch>
+        </p:blipFill>
+        <p:spPr>
+          <a:xfrm>
+            <a:off x="4572000" y="2724126"/>
+            <a:ext cx="914400" cy="914400"/>
+          </a:xfrm>
+          <a:prstGeom prst="rect">
+            <a:avLst/>
+          </a:prstGeom>
+        </p:spPr>
+      </p:pic>
+      <p:sp>
+        <p:nvSpPr>
+          <p:cNvPr id="28" name="Segnaposto testo 3">
+            <a:extLst>
+              <a:ext uri="{FF2B5EF4-FFF2-40B4-BE49-F238E27FC236}">
+                <a16:creationId xmlns:a16="http://schemas.microsoft.com/office/drawing/2014/main" id="{9E074C74-C73E-47AE-B848-E52936004508}"/>
+              </a:ext>
+            </a:extLst>
+          </p:cNvPr>
+          <p:cNvSpPr txBox="1">
+            <a:spLocks/>
+          </p:cNvSpPr>
+          <p:nvPr/>
+        </p:nvSpPr>
+        <p:spPr>
+          <a:xfrm>
+            <a:off x="5393964" y="2809397"/>
+            <a:ext cx="3592599" cy="714264"/>
+          </a:xfrm>
+          <a:prstGeom prst="rect">
+            <a:avLst/>
+          </a:prstGeom>
+          <a:noFill/>
+          <a:ln>
+            <a:noFill/>
+          </a:ln>
+        </p:spPr>
+        <p:txBody>
+          <a:bodyPr spcFirstLastPara="1" wrap="square" lIns="91425" tIns="91425" rIns="91425" bIns="91425" anchor="t" anchorCtr="0">
+            <a:noAutofit/>
+          </a:bodyPr>
+          <a:lstStyle>
+            <a:defPPr marR="0" lvl="0" algn="l" rtl="0">
+              <a:lnSpc>
+                <a:spcPct val="100000"/>
+              </a:lnSpc>
+              <a:spcBef>
+                <a:spcPts val="0"/>
+              </a:spcBef>
+              <a:spcAft>
+                <a:spcPts val="0"/>
+              </a:spcAft>
+            </a:defPPr>
+            <a:lvl1pPr marL="457200" marR="0" lvl="0" indent="-301625" algn="l" rtl="0">
+              <a:lnSpc>
+                <a:spcPct val="100000"/>
+              </a:lnSpc>
+              <a:spcBef>
+                <a:spcPts val="0"/>
+              </a:spcBef>
+              <a:spcAft>
+                <a:spcPts val="0"/>
+              </a:spcAft>
+              <a:buClr>
+                <a:schemeClr val="lt1"/>
+              </a:buClr>
+              <a:buSzPts val="1150"/>
+              <a:buFont typeface="Montserrat"/>
+              <a:buChar char="●"/>
+              <a:defRPr sz="1150" b="0" i="0" u="none" strike="noStrike" cap="none">
+                <a:solidFill>
+                  <a:schemeClr val="lt1"/>
+                </a:solidFill>
+                <a:latin typeface="Montserrat"/>
+                <a:ea typeface="Montserrat"/>
+                <a:cs typeface="Montserrat"/>
+                <a:sym typeface="Montserrat"/>
+              </a:defRPr>
+            </a:lvl1pPr>
+            <a:lvl2pPr marL="914400" marR="0" lvl="1" indent="-301625" algn="l" rtl="0">
+              <a:lnSpc>
+                <a:spcPct val="100000"/>
+              </a:lnSpc>
+              <a:spcBef>
+                <a:spcPts val="1600"/>
+              </a:spcBef>
+              <a:spcAft>
+                <a:spcPts val="0"/>
+              </a:spcAft>
+              <a:buClr>
+                <a:schemeClr val="lt1"/>
+              </a:buClr>
+              <a:buSzPts val="1150"/>
+              <a:buFont typeface="Montserrat"/>
+              <a:buChar char="○"/>
+              <a:defRPr sz="1150" b="0" i="0" u="none" strike="noStrike" cap="none">
+                <a:solidFill>
+                  <a:schemeClr val="lt1"/>
+                </a:solidFill>
+                <a:latin typeface="Montserrat"/>
+                <a:ea typeface="Montserrat"/>
+                <a:cs typeface="Montserrat"/>
+                <a:sym typeface="Montserrat"/>
+              </a:defRPr>
+            </a:lvl2pPr>
+            <a:lvl3pPr marL="1371600" marR="0" lvl="2" indent="-301625" algn="l" rtl="0">
+              <a:lnSpc>
+                <a:spcPct val="100000"/>
+              </a:lnSpc>
+              <a:spcBef>
+                <a:spcPts val="1600"/>
+              </a:spcBef>
+              <a:spcAft>
+                <a:spcPts val="0"/>
+              </a:spcAft>
+              <a:buClr>
+                <a:schemeClr val="lt1"/>
+              </a:buClr>
+              <a:buSzPts val="1150"/>
+              <a:buFont typeface="Montserrat"/>
+              <a:buChar char="■"/>
+              <a:defRPr sz="1150" b="0" i="0" u="none" strike="noStrike" cap="none">
+                <a:solidFill>
+                  <a:schemeClr val="lt1"/>
+                </a:solidFill>
+                <a:latin typeface="Montserrat"/>
+                <a:ea typeface="Montserrat"/>
+                <a:cs typeface="Montserrat"/>
+                <a:sym typeface="Montserrat"/>
+              </a:defRPr>
+            </a:lvl3pPr>
+            <a:lvl4pPr marL="1828800" marR="0" lvl="3" indent="-301625" algn="l" rtl="0">
+              <a:lnSpc>
+                <a:spcPct val="100000"/>
+              </a:lnSpc>
+              <a:spcBef>
+                <a:spcPts val="1600"/>
+              </a:spcBef>
+              <a:spcAft>
+                <a:spcPts val="0"/>
+              </a:spcAft>
+              <a:buClr>
+                <a:schemeClr val="lt1"/>
+              </a:buClr>
+              <a:buSzPts val="1150"/>
+              <a:buFont typeface="Montserrat"/>
+              <a:buChar char="●"/>
+              <a:defRPr sz="1150" b="0" i="0" u="none" strike="noStrike" cap="none">
+                <a:solidFill>
+                  <a:schemeClr val="lt1"/>
+                </a:solidFill>
+                <a:latin typeface="Montserrat"/>
+                <a:ea typeface="Montserrat"/>
+                <a:cs typeface="Montserrat"/>
+                <a:sym typeface="Montserrat"/>
+              </a:defRPr>
+            </a:lvl4pPr>
+            <a:lvl5pPr marL="2286000" marR="0" lvl="4" indent="-301625" algn="l" rtl="0">
+              <a:lnSpc>
+                <a:spcPct val="100000"/>
+              </a:lnSpc>
+              <a:spcBef>
+                <a:spcPts val="1600"/>
+              </a:spcBef>
+              <a:spcAft>
+                <a:spcPts val="0"/>
+              </a:spcAft>
+              <a:buClr>
+                <a:schemeClr val="lt1"/>
+              </a:buClr>
+              <a:buSzPts val="1150"/>
+              <a:buFont typeface="Montserrat"/>
+              <a:buChar char="○"/>
+              <a:defRPr sz="1150" b="0" i="0" u="none" strike="noStrike" cap="none">
+                <a:solidFill>
+                  <a:schemeClr val="lt1"/>
+                </a:solidFill>
+                <a:latin typeface="Montserrat"/>
+                <a:ea typeface="Montserrat"/>
+                <a:cs typeface="Montserrat"/>
+                <a:sym typeface="Montserrat"/>
+              </a:defRPr>
+            </a:lvl5pPr>
+            <a:lvl6pPr marL="2743200" marR="0" lvl="5" indent="-301625" algn="l" rtl="0">
+              <a:lnSpc>
+                <a:spcPct val="100000"/>
+              </a:lnSpc>
+              <a:spcBef>
+                <a:spcPts val="1600"/>
+              </a:spcBef>
+              <a:spcAft>
+                <a:spcPts val="0"/>
+              </a:spcAft>
+              <a:buClr>
+                <a:schemeClr val="lt1"/>
+              </a:buClr>
+              <a:buSzPts val="1150"/>
+              <a:buFont typeface="Montserrat"/>
+              <a:buChar char="■"/>
+              <a:defRPr sz="1150" b="0" i="0" u="none" strike="noStrike" cap="none">
+                <a:solidFill>
+                  <a:schemeClr val="lt1"/>
+                </a:solidFill>
+                <a:latin typeface="Montserrat"/>
+                <a:ea typeface="Montserrat"/>
+                <a:cs typeface="Montserrat"/>
+                <a:sym typeface="Montserrat"/>
+              </a:defRPr>
+            </a:lvl6pPr>
+            <a:lvl7pPr marL="3200400" marR="0" lvl="6" indent="-301625" algn="l" rtl="0">
+              <a:lnSpc>
+                <a:spcPct val="100000"/>
+              </a:lnSpc>
+              <a:spcBef>
+                <a:spcPts val="1600"/>
+              </a:spcBef>
+              <a:spcAft>
+                <a:spcPts val="0"/>
+              </a:spcAft>
+              <a:buClr>
+                <a:schemeClr val="lt1"/>
+              </a:buClr>
+              <a:buSzPts val="1150"/>
+              <a:buFont typeface="Montserrat"/>
+              <a:buChar char="●"/>
+              <a:defRPr sz="1150" b="0" i="0" u="none" strike="noStrike" cap="none">
+                <a:solidFill>
+                  <a:schemeClr val="lt1"/>
+                </a:solidFill>
+                <a:latin typeface="Montserrat"/>
+                <a:ea typeface="Montserrat"/>
+                <a:cs typeface="Montserrat"/>
+                <a:sym typeface="Montserrat"/>
+              </a:defRPr>
+            </a:lvl7pPr>
+            <a:lvl8pPr marL="3657600" marR="0" lvl="7" indent="-301625" algn="l" rtl="0">
+              <a:lnSpc>
+                <a:spcPct val="100000"/>
+              </a:lnSpc>
+              <a:spcBef>
+                <a:spcPts val="1600"/>
+              </a:spcBef>
+              <a:spcAft>
+                <a:spcPts val="0"/>
+              </a:spcAft>
+              <a:buClr>
+                <a:schemeClr val="lt1"/>
+              </a:buClr>
+              <a:buSzPts val="1150"/>
+              <a:buFont typeface="Montserrat"/>
+              <a:buChar char="○"/>
+              <a:defRPr sz="1150" b="0" i="0" u="none" strike="noStrike" cap="none">
+                <a:solidFill>
+                  <a:schemeClr val="lt1"/>
+                </a:solidFill>
+                <a:latin typeface="Montserrat"/>
+                <a:ea typeface="Montserrat"/>
+                <a:cs typeface="Montserrat"/>
+                <a:sym typeface="Montserrat"/>
+              </a:defRPr>
+            </a:lvl8pPr>
+            <a:lvl9pPr marL="4114800" marR="0" lvl="8" indent="-301625" algn="l" rtl="0">
+              <a:lnSpc>
+                <a:spcPct val="100000"/>
+              </a:lnSpc>
+              <a:spcBef>
+                <a:spcPts val="1600"/>
+              </a:spcBef>
+              <a:spcAft>
+                <a:spcPts val="1600"/>
+              </a:spcAft>
+              <a:buClr>
+                <a:schemeClr val="lt1"/>
+              </a:buClr>
+              <a:buSzPts val="1150"/>
+              <a:buFont typeface="Montserrat"/>
+              <a:buChar char="■"/>
+              <a:defRPr sz="1150" b="0" i="0" u="none" strike="noStrike" cap="none">
+                <a:solidFill>
+                  <a:schemeClr val="lt1"/>
+                </a:solidFill>
+                <a:latin typeface="Montserrat"/>
+                <a:ea typeface="Montserrat"/>
+                <a:cs typeface="Montserrat"/>
+                <a:sym typeface="Montserrat"/>
+              </a:defRPr>
+            </a:lvl9pPr>
+          </a:lstStyle>
+          <a:p>
+            <a:pPr marL="155575" indent="0">
+              <a:lnSpc>
+                <a:spcPct val="150000"/>
+              </a:lnSpc>
+              <a:buFont typeface="Montserrat"/>
+              <a:buNone/>
+            </a:pPr>
+            <a:r>
+              <a:rPr lang="it-IT" sz="2400" dirty="0"/>
+              <a:t>DELETE ALL INTENTS</a:t>
+            </a:r>
+          </a:p>
+        </p:txBody>
+      </p:sp>
+      <p:sp>
+        <p:nvSpPr>
+          <p:cNvPr id="29" name="CasellaDiTesto 28">
+            <a:extLst>
+              <a:ext uri="{FF2B5EF4-FFF2-40B4-BE49-F238E27FC236}">
+                <a16:creationId xmlns:a16="http://schemas.microsoft.com/office/drawing/2014/main" id="{973B409A-5225-43A6-A51F-ED48F72E7D8D}"/>
+              </a:ext>
+            </a:extLst>
+          </p:cNvPr>
+          <p:cNvSpPr txBox="1"/>
+          <p:nvPr/>
+        </p:nvSpPr>
+        <p:spPr>
+          <a:xfrm>
+            <a:off x="5569317" y="2571750"/>
+            <a:ext cx="1322535" cy="276999"/>
+          </a:xfrm>
+          <a:prstGeom prst="rect">
+            <a:avLst/>
+          </a:prstGeom>
+          <a:noFill/>
+        </p:spPr>
+        <p:txBody>
+          <a:bodyPr wrap="square" rtlCol="0">
+            <a:spAutoFit/>
+          </a:bodyPr>
+          <a:lstStyle/>
+          <a:p>
+            <a:pPr>
+              <a:buClr>
+                <a:schemeClr val="bg1"/>
+              </a:buClr>
+            </a:pPr>
+            <a:r>
+              <a:rPr lang="it-IT" sz="1200" dirty="0">
+                <a:solidFill>
+                  <a:schemeClr val="bg1"/>
+                </a:solidFill>
+                <a:latin typeface="Abadi" panose="020B0604020104020204" pitchFamily="34" charset="0"/>
+                <a:cs typeface="Courier New" panose="02070309020205020404" pitchFamily="49" charset="0"/>
+              </a:rPr>
+              <a:t>@</a:t>
+            </a:r>
+            <a:r>
+              <a:rPr lang="it-IT" sz="1200" dirty="0">
+                <a:solidFill>
+                  <a:schemeClr val="tx1">
+                    <a:lumMod val="25000"/>
+                    <a:lumOff val="75000"/>
+                  </a:schemeClr>
+                </a:solidFill>
+                <a:latin typeface="Abadi" panose="020B0604020104020204" pitchFamily="34" charset="0"/>
+                <a:cs typeface="Courier New" panose="02070309020205020404" pitchFamily="49" charset="0"/>
+              </a:rPr>
+              <a:t>Post</a:t>
+            </a:r>
+            <a:r>
+              <a:rPr lang="it-IT" sz="1200" dirty="0">
+                <a:solidFill>
+                  <a:schemeClr val="bg1"/>
+                </a:solidFill>
+                <a:latin typeface="Abadi" panose="020B0604020104020204" pitchFamily="34" charset="0"/>
+                <a:cs typeface="Courier New" panose="02070309020205020404" pitchFamily="49" charset="0"/>
+              </a:rPr>
+              <a:t>( </a:t>
+            </a:r>
+            <a:r>
+              <a:rPr lang="it-IT" sz="1200" dirty="0">
+                <a:solidFill>
+                  <a:schemeClr val="accent1">
+                    <a:lumMod val="75000"/>
+                  </a:schemeClr>
+                </a:solidFill>
+                <a:latin typeface="Abadi" panose="020B0604020104020204" pitchFamily="34" charset="0"/>
+                <a:cs typeface="Courier New" panose="02070309020205020404" pitchFamily="49" charset="0"/>
+              </a:rPr>
+              <a:t>″</a:t>
+            </a:r>
+            <a:r>
+              <a:rPr lang="it-IT" sz="1200" dirty="0" err="1">
+                <a:solidFill>
+                  <a:schemeClr val="accent1">
+                    <a:lumMod val="75000"/>
+                  </a:schemeClr>
+                </a:solidFill>
+                <a:latin typeface="Abadi" panose="020B0604020104020204" pitchFamily="34" charset="0"/>
+                <a:cs typeface="Courier New" panose="02070309020205020404" pitchFamily="49" charset="0"/>
+              </a:rPr>
+              <a:t>json</a:t>
+            </a:r>
+            <a:r>
+              <a:rPr lang="it-IT" sz="1200" dirty="0">
+                <a:solidFill>
+                  <a:schemeClr val="accent1">
+                    <a:lumMod val="75000"/>
+                  </a:schemeClr>
+                </a:solidFill>
+                <a:latin typeface="Abadi" panose="020B0604020104020204" pitchFamily="34" charset="0"/>
+                <a:cs typeface="Courier New" panose="02070309020205020404" pitchFamily="49" charset="0"/>
+              </a:rPr>
+              <a:t>″</a:t>
+            </a:r>
+            <a:r>
+              <a:rPr lang="it-IT" sz="1200" dirty="0">
+                <a:solidFill>
+                  <a:schemeClr val="bg1"/>
+                </a:solidFill>
+                <a:latin typeface="Abadi" panose="020B0604020104020204" pitchFamily="34" charset="0"/>
+                <a:cs typeface="Courier New" panose="02070309020205020404" pitchFamily="49" charset="0"/>
+              </a:rPr>
+              <a:t>)</a:t>
+            </a:r>
+            <a:endParaRPr lang="it-IT" sz="1200" dirty="0">
+              <a:solidFill>
+                <a:schemeClr val="accent1">
+                  <a:lumMod val="75000"/>
+                </a:schemeClr>
+              </a:solidFill>
+              <a:latin typeface="Courier New" panose="02070309020205020404" pitchFamily="49" charset="0"/>
+              <a:cs typeface="Courier New" panose="02070309020205020404" pitchFamily="49" charset="0"/>
+            </a:endParaRPr>
+          </a:p>
+        </p:txBody>
+      </p:sp>
+      <p:cxnSp>
+        <p:nvCxnSpPr>
+          <p:cNvPr id="30" name="Google Shape;172;p39">
+            <a:extLst>
+              <a:ext uri="{FF2B5EF4-FFF2-40B4-BE49-F238E27FC236}">
+                <a16:creationId xmlns:a16="http://schemas.microsoft.com/office/drawing/2014/main" id="{BC2E90E4-3D29-402C-8155-5F6006EE1775}"/>
+              </a:ext>
+            </a:extLst>
+          </p:cNvPr>
+          <p:cNvCxnSpPr>
+            <a:cxnSpLocks/>
+          </p:cNvCxnSpPr>
+          <p:nvPr/>
+        </p:nvCxnSpPr>
+        <p:spPr>
+          <a:xfrm>
+            <a:off x="5652235" y="2933132"/>
+            <a:ext cx="2465274" cy="22815"/>
+          </a:xfrm>
+          <a:prstGeom prst="straightConnector1">
+            <a:avLst/>
+          </a:prstGeom>
+          <a:noFill/>
+          <a:ln w="9525" cap="flat" cmpd="sng">
+            <a:solidFill>
+              <a:srgbClr val="FF0000"/>
+            </a:solidFill>
+            <a:prstDash val="solid"/>
+            <a:round/>
+            <a:headEnd type="none" w="med" len="med"/>
+            <a:tailEnd type="none" w="med" len="med"/>
+          </a:ln>
+          <a:effectLst>
+            <a:outerShdw blurRad="57150" dist="19050" dir="5400000" algn="bl" rotWithShape="0">
+              <a:srgbClr val="FFFFFF">
+                <a:alpha val="50000"/>
+              </a:srgbClr>
+            </a:outerShdw>
+          </a:effectLst>
+        </p:spPr>
+      </p:cxnSp>
     </p:spTree>
     <p:extLst>
       <p:ext uri="{BB962C8B-B14F-4D97-AF65-F5344CB8AC3E}">
@@ -10057,89 +11269,6 @@
           </a:effectLst>
         </p:spPr>
       </p:cxnSp>
-      <p:sp>
-        <p:nvSpPr>
-          <p:cNvPr id="4" name="Segnaposto testo 3">
-            <a:extLst>
-              <a:ext uri="{FF2B5EF4-FFF2-40B4-BE49-F238E27FC236}">
-                <a16:creationId xmlns:a16="http://schemas.microsoft.com/office/drawing/2014/main" id="{0554840E-27EB-4C56-BE05-DAD0593EA8F4}"/>
-              </a:ext>
-            </a:extLst>
-          </p:cNvPr>
-          <p:cNvSpPr>
-            <a:spLocks noGrp="1"/>
-          </p:cNvSpPr>
-          <p:nvPr>
-            <p:ph type="body" idx="1"/>
-          </p:nvPr>
-        </p:nvSpPr>
-        <p:spPr>
-          <a:xfrm>
-            <a:off x="938500" y="1246025"/>
-            <a:ext cx="7172100" cy="1009995"/>
-          </a:xfrm>
-        </p:spPr>
-        <p:txBody>
-          <a:bodyPr/>
-          <a:lstStyle/>
-          <a:p>
-            <a:pPr>
-              <a:lnSpc>
-                <a:spcPct val="150000"/>
-              </a:lnSpc>
-            </a:pPr>
-            <a:r>
-              <a:rPr lang="it-IT" sz="2800" dirty="0" err="1"/>
-              <a:t>Get</a:t>
-            </a:r>
-            <a:r>
-              <a:rPr lang="it-IT" sz="2800" dirty="0"/>
-              <a:t> </a:t>
-            </a:r>
-            <a:r>
-              <a:rPr lang="it-IT" sz="2800" dirty="0" err="1"/>
-              <a:t>intents</a:t>
-            </a:r>
-            <a:endParaRPr lang="it-IT" sz="2800" dirty="0"/>
-          </a:p>
-          <a:p>
-            <a:pPr>
-              <a:lnSpc>
-                <a:spcPct val="150000"/>
-              </a:lnSpc>
-            </a:pPr>
-            <a:endParaRPr lang="it-IT" sz="2800" dirty="0"/>
-          </a:p>
-          <a:p>
-            <a:pPr>
-              <a:lnSpc>
-                <a:spcPct val="150000"/>
-              </a:lnSpc>
-            </a:pPr>
-            <a:r>
-              <a:rPr lang="it-IT" sz="2800" dirty="0" err="1"/>
-              <a:t>Manage</a:t>
-            </a:r>
-            <a:r>
-              <a:rPr lang="it-IT" sz="2800" dirty="0"/>
-              <a:t> </a:t>
-            </a:r>
-            <a:r>
-              <a:rPr lang="it-IT" sz="2800" dirty="0" err="1"/>
-              <a:t>deny</a:t>
-            </a:r>
-            <a:r>
-              <a:rPr lang="it-IT" sz="2800" dirty="0"/>
-              <a:t> </a:t>
-            </a:r>
-            <a:r>
-              <a:rPr lang="it-IT" sz="2800" dirty="0" err="1"/>
-              <a:t>timeout</a:t>
-            </a:r>
-            <a:endParaRPr lang="it-IT" sz="2800" dirty="0"/>
-          </a:p>
-        </p:txBody>
-      </p:sp>
       <p:pic>
         <p:nvPicPr>
           <p:cNvPr id="3" name="Elemento grafico 2" descr="Clessidra finita con riempimento a tinta unita">
@@ -10168,7 +11297,7 @@
         </p:blipFill>
         <p:spPr>
           <a:xfrm>
-            <a:off x="5994989" y="2684724"/>
+            <a:off x="901366" y="3123632"/>
             <a:ext cx="914400" cy="914400"/>
           </a:xfrm>
           <a:prstGeom prst="rect">
@@ -10204,7 +11333,7 @@
         </p:blipFill>
         <p:spPr>
           <a:xfrm>
-            <a:off x="3890045" y="1173723"/>
+            <a:off x="904447" y="1357953"/>
             <a:ext cx="914400" cy="914400"/>
           </a:xfrm>
           <a:prstGeom prst="rect">
@@ -10212,6 +11341,1030 @@
           </a:prstGeom>
         </p:spPr>
       </p:pic>
+      <p:sp>
+        <p:nvSpPr>
+          <p:cNvPr id="9" name="Segnaposto testo 3">
+            <a:extLst>
+              <a:ext uri="{FF2B5EF4-FFF2-40B4-BE49-F238E27FC236}">
+                <a16:creationId xmlns:a16="http://schemas.microsoft.com/office/drawing/2014/main" id="{23C4C48F-269C-4F33-8A21-006AB67DABC2}"/>
+              </a:ext>
+            </a:extLst>
+          </p:cNvPr>
+          <p:cNvSpPr>
+            <a:spLocks noGrp="1"/>
+          </p:cNvSpPr>
+          <p:nvPr>
+            <p:ph type="body" idx="1"/>
+          </p:nvPr>
+        </p:nvSpPr>
+        <p:spPr>
+          <a:xfrm>
+            <a:off x="1709873" y="1558089"/>
+            <a:ext cx="2886264" cy="714264"/>
+          </a:xfrm>
+        </p:spPr>
+        <p:txBody>
+          <a:bodyPr/>
+          <a:lstStyle/>
+          <a:p>
+            <a:pPr marL="155575" indent="0">
+              <a:lnSpc>
+                <a:spcPct val="150000"/>
+              </a:lnSpc>
+              <a:buNone/>
+            </a:pPr>
+            <a:r>
+              <a:rPr lang="it-IT" sz="2000" dirty="0"/>
+              <a:t>GET INTENTS</a:t>
+            </a:r>
+          </a:p>
+        </p:txBody>
+      </p:sp>
+      <p:sp>
+        <p:nvSpPr>
+          <p:cNvPr id="11" name="CasellaDiTesto 10">
+            <a:extLst>
+              <a:ext uri="{FF2B5EF4-FFF2-40B4-BE49-F238E27FC236}">
+                <a16:creationId xmlns:a16="http://schemas.microsoft.com/office/drawing/2014/main" id="{7946045D-BE04-4D98-BE01-6780F57DA24A}"/>
+              </a:ext>
+            </a:extLst>
+          </p:cNvPr>
+          <p:cNvSpPr txBox="1"/>
+          <p:nvPr/>
+        </p:nvSpPr>
+        <p:spPr>
+          <a:xfrm>
+            <a:off x="1898592" y="1313515"/>
+            <a:ext cx="1322535" cy="276999"/>
+          </a:xfrm>
+          <a:prstGeom prst="rect">
+            <a:avLst/>
+          </a:prstGeom>
+          <a:noFill/>
+        </p:spPr>
+        <p:txBody>
+          <a:bodyPr wrap="square" rtlCol="0">
+            <a:spAutoFit/>
+          </a:bodyPr>
+          <a:lstStyle/>
+          <a:p>
+            <a:pPr>
+              <a:buClr>
+                <a:schemeClr val="bg1"/>
+              </a:buClr>
+            </a:pPr>
+            <a:r>
+              <a:rPr lang="it-IT" sz="1200" dirty="0">
+                <a:solidFill>
+                  <a:schemeClr val="bg1"/>
+                </a:solidFill>
+                <a:latin typeface="Abadi" panose="020B0604020104020204" pitchFamily="34" charset="0"/>
+                <a:cs typeface="Courier New" panose="02070309020205020404" pitchFamily="49" charset="0"/>
+              </a:rPr>
+              <a:t>@</a:t>
+            </a:r>
+            <a:r>
+              <a:rPr lang="it-IT" sz="1200" dirty="0">
+                <a:solidFill>
+                  <a:schemeClr val="tx1">
+                    <a:lumMod val="25000"/>
+                    <a:lumOff val="75000"/>
+                  </a:schemeClr>
+                </a:solidFill>
+                <a:latin typeface="Abadi" panose="020B0604020104020204" pitchFamily="34" charset="0"/>
+                <a:cs typeface="Courier New" panose="02070309020205020404" pitchFamily="49" charset="0"/>
+              </a:rPr>
+              <a:t>Get</a:t>
+            </a:r>
+            <a:r>
+              <a:rPr lang="it-IT" sz="1200" dirty="0">
+                <a:solidFill>
+                  <a:schemeClr val="bg1"/>
+                </a:solidFill>
+                <a:latin typeface="Abadi" panose="020B0604020104020204" pitchFamily="34" charset="0"/>
+                <a:cs typeface="Courier New" panose="02070309020205020404" pitchFamily="49" charset="0"/>
+              </a:rPr>
+              <a:t>( </a:t>
+            </a:r>
+            <a:r>
+              <a:rPr lang="it-IT" sz="1200" dirty="0">
+                <a:solidFill>
+                  <a:schemeClr val="accent1">
+                    <a:lumMod val="75000"/>
+                  </a:schemeClr>
+                </a:solidFill>
+                <a:latin typeface="Abadi" panose="020B0604020104020204" pitchFamily="34" charset="0"/>
+                <a:cs typeface="Courier New" panose="02070309020205020404" pitchFamily="49" charset="0"/>
+              </a:rPr>
+              <a:t>″</a:t>
+            </a:r>
+            <a:r>
+              <a:rPr lang="it-IT" sz="1200" dirty="0" err="1">
+                <a:solidFill>
+                  <a:schemeClr val="accent1">
+                    <a:lumMod val="75000"/>
+                  </a:schemeClr>
+                </a:solidFill>
+                <a:latin typeface="Abadi" panose="020B0604020104020204" pitchFamily="34" charset="0"/>
+                <a:cs typeface="Courier New" panose="02070309020205020404" pitchFamily="49" charset="0"/>
+              </a:rPr>
+              <a:t>json</a:t>
+            </a:r>
+            <a:r>
+              <a:rPr lang="it-IT" sz="1200" dirty="0">
+                <a:solidFill>
+                  <a:schemeClr val="accent1">
+                    <a:lumMod val="75000"/>
+                  </a:schemeClr>
+                </a:solidFill>
+                <a:latin typeface="Abadi" panose="020B0604020104020204" pitchFamily="34" charset="0"/>
+                <a:cs typeface="Courier New" panose="02070309020205020404" pitchFamily="49" charset="0"/>
+              </a:rPr>
+              <a:t>″</a:t>
+            </a:r>
+            <a:r>
+              <a:rPr lang="it-IT" sz="1200" dirty="0">
+                <a:solidFill>
+                  <a:schemeClr val="bg1"/>
+                </a:solidFill>
+                <a:latin typeface="Abadi" panose="020B0604020104020204" pitchFamily="34" charset="0"/>
+                <a:cs typeface="Courier New" panose="02070309020205020404" pitchFamily="49" charset="0"/>
+              </a:rPr>
+              <a:t>)</a:t>
+            </a:r>
+            <a:endParaRPr lang="it-IT" sz="1200" dirty="0">
+              <a:solidFill>
+                <a:schemeClr val="accent1">
+                  <a:lumMod val="75000"/>
+                </a:schemeClr>
+              </a:solidFill>
+              <a:latin typeface="Courier New" panose="02070309020205020404" pitchFamily="49" charset="0"/>
+              <a:cs typeface="Courier New" panose="02070309020205020404" pitchFamily="49" charset="0"/>
+            </a:endParaRPr>
+          </a:p>
+        </p:txBody>
+      </p:sp>
+      <p:cxnSp>
+        <p:nvCxnSpPr>
+          <p:cNvPr id="12" name="Google Shape;172;p39">
+            <a:extLst>
+              <a:ext uri="{FF2B5EF4-FFF2-40B4-BE49-F238E27FC236}">
+                <a16:creationId xmlns:a16="http://schemas.microsoft.com/office/drawing/2014/main" id="{D7227F2D-12D3-4708-AC99-921440961DFB}"/>
+              </a:ext>
+            </a:extLst>
+          </p:cNvPr>
+          <p:cNvCxnSpPr>
+            <a:cxnSpLocks/>
+          </p:cNvCxnSpPr>
+          <p:nvPr/>
+        </p:nvCxnSpPr>
+        <p:spPr>
+          <a:xfrm>
+            <a:off x="1956017" y="1649312"/>
+            <a:ext cx="2556730" cy="0"/>
+          </a:xfrm>
+          <a:prstGeom prst="straightConnector1">
+            <a:avLst/>
+          </a:prstGeom>
+          <a:noFill/>
+          <a:ln w="9525" cap="flat" cmpd="sng">
+            <a:solidFill>
+              <a:srgbClr val="FFC000"/>
+            </a:solidFill>
+            <a:prstDash val="solid"/>
+            <a:round/>
+            <a:headEnd type="none" w="med" len="med"/>
+            <a:tailEnd type="none" w="med" len="med"/>
+          </a:ln>
+          <a:effectLst>
+            <a:outerShdw blurRad="57150" dist="19050" dir="5400000" algn="bl" rotWithShape="0">
+              <a:srgbClr val="FFFFFF">
+                <a:alpha val="50000"/>
+              </a:srgbClr>
+            </a:outerShdw>
+          </a:effectLst>
+        </p:spPr>
+      </p:cxnSp>
+      <p:sp>
+        <p:nvSpPr>
+          <p:cNvPr id="13" name="CasellaDiTesto 12">
+            <a:extLst>
+              <a:ext uri="{FF2B5EF4-FFF2-40B4-BE49-F238E27FC236}">
+                <a16:creationId xmlns:a16="http://schemas.microsoft.com/office/drawing/2014/main" id="{3512E91E-3F28-4534-96BF-EFF58D63FBE4}"/>
+              </a:ext>
+            </a:extLst>
+          </p:cNvPr>
+          <p:cNvSpPr txBox="1"/>
+          <p:nvPr/>
+        </p:nvSpPr>
+        <p:spPr>
+          <a:xfrm>
+            <a:off x="1927821" y="2087797"/>
+            <a:ext cx="3084499" cy="338106"/>
+          </a:xfrm>
+          <a:prstGeom prst="rect">
+            <a:avLst/>
+          </a:prstGeom>
+          <a:noFill/>
+        </p:spPr>
+        <p:txBody>
+          <a:bodyPr wrap="none" rtlCol="0">
+            <a:spAutoFit/>
+          </a:bodyPr>
+          <a:lstStyle/>
+          <a:p>
+            <a:pPr marL="285750" indent="-285750">
+              <a:lnSpc>
+                <a:spcPct val="150000"/>
+              </a:lnSpc>
+              <a:buClr>
+                <a:schemeClr val="bg1"/>
+              </a:buClr>
+              <a:buFont typeface="Arial" panose="020B0604020202020204" pitchFamily="34" charset="0"/>
+              <a:buChar char="•"/>
+            </a:pPr>
+            <a:r>
+              <a:rPr lang="it-IT" sz="1200" b="1" dirty="0">
+                <a:solidFill>
+                  <a:schemeClr val="bg1"/>
+                </a:solidFill>
+                <a:latin typeface="Montserrat" panose="00000500000000000000" pitchFamily="2" charset="0"/>
+              </a:rPr>
+              <a:t>List</a:t>
+            </a:r>
+            <a:r>
+              <a:rPr lang="it-IT" sz="1200" dirty="0">
+                <a:solidFill>
+                  <a:schemeClr val="bg1"/>
+                </a:solidFill>
+                <a:latin typeface="Montserrat" panose="00000500000000000000" pitchFamily="2" charset="0"/>
+              </a:rPr>
+              <a:t> </a:t>
+            </a:r>
+            <a:r>
+              <a:rPr lang="it-IT" sz="1200" dirty="0" err="1">
+                <a:solidFill>
+                  <a:schemeClr val="bg1"/>
+                </a:solidFill>
+                <a:latin typeface="Montserrat" panose="00000500000000000000" pitchFamily="2" charset="0"/>
+              </a:rPr>
+              <a:t>containing</a:t>
+            </a:r>
+            <a:r>
+              <a:rPr lang="it-IT" sz="1200" dirty="0">
+                <a:solidFill>
+                  <a:schemeClr val="bg1"/>
+                </a:solidFill>
+                <a:latin typeface="Montserrat" panose="00000500000000000000" pitchFamily="2" charset="0"/>
+              </a:rPr>
+              <a:t> </a:t>
+            </a:r>
+            <a:r>
+              <a:rPr lang="it-IT" sz="1200" dirty="0" err="1">
+                <a:solidFill>
+                  <a:schemeClr val="bg1"/>
+                </a:solidFill>
+                <a:latin typeface="Montserrat" panose="00000500000000000000" pitchFamily="2" charset="0"/>
+              </a:rPr>
+              <a:t>all</a:t>
+            </a:r>
+            <a:r>
+              <a:rPr lang="it-IT" sz="1200" dirty="0">
+                <a:solidFill>
+                  <a:schemeClr val="bg1"/>
+                </a:solidFill>
+                <a:latin typeface="Montserrat" panose="00000500000000000000" pitchFamily="2" charset="0"/>
+              </a:rPr>
+              <a:t> </a:t>
+            </a:r>
+            <a:r>
+              <a:rPr lang="it-IT" sz="1200" dirty="0" err="1">
+                <a:solidFill>
+                  <a:schemeClr val="bg1"/>
+                </a:solidFill>
+                <a:latin typeface="Montserrat" panose="00000500000000000000" pitchFamily="2" charset="0"/>
+              </a:rPr>
+              <a:t>existing</a:t>
+            </a:r>
+            <a:r>
+              <a:rPr lang="it-IT" sz="1200" dirty="0">
+                <a:solidFill>
+                  <a:schemeClr val="bg1"/>
+                </a:solidFill>
+                <a:latin typeface="Montserrat" panose="00000500000000000000" pitchFamily="2" charset="0"/>
+              </a:rPr>
+              <a:t> </a:t>
+            </a:r>
+            <a:r>
+              <a:rPr lang="it-IT" sz="1200" dirty="0" err="1">
+                <a:solidFill>
+                  <a:schemeClr val="bg1"/>
+                </a:solidFill>
+                <a:latin typeface="Montserrat" panose="00000500000000000000" pitchFamily="2" charset="0"/>
+              </a:rPr>
+              <a:t>intents</a:t>
+            </a:r>
+            <a:endParaRPr lang="it-IT" sz="1200" dirty="0">
+              <a:solidFill>
+                <a:schemeClr val="bg1"/>
+              </a:solidFill>
+              <a:latin typeface="Montserrat" panose="00000500000000000000" pitchFamily="2" charset="0"/>
+            </a:endParaRPr>
+          </a:p>
+        </p:txBody>
+      </p:sp>
+      <p:sp>
+        <p:nvSpPr>
+          <p:cNvPr id="15" name="Segnaposto testo 3">
+            <a:extLst>
+              <a:ext uri="{FF2B5EF4-FFF2-40B4-BE49-F238E27FC236}">
+                <a16:creationId xmlns:a16="http://schemas.microsoft.com/office/drawing/2014/main" id="{A1875943-F9C6-4362-A70A-69DF660D1106}"/>
+              </a:ext>
+            </a:extLst>
+          </p:cNvPr>
+          <p:cNvSpPr txBox="1">
+            <a:spLocks/>
+          </p:cNvSpPr>
+          <p:nvPr/>
+        </p:nvSpPr>
+        <p:spPr>
+          <a:xfrm>
+            <a:off x="1681208" y="3323768"/>
+            <a:ext cx="2886264" cy="714264"/>
+          </a:xfrm>
+          <a:prstGeom prst="rect">
+            <a:avLst/>
+          </a:prstGeom>
+          <a:noFill/>
+          <a:ln>
+            <a:noFill/>
+          </a:ln>
+        </p:spPr>
+        <p:txBody>
+          <a:bodyPr spcFirstLastPara="1" wrap="square" lIns="91425" tIns="91425" rIns="91425" bIns="91425" anchor="t" anchorCtr="0">
+            <a:noAutofit/>
+          </a:bodyPr>
+          <a:lstStyle>
+            <a:defPPr marR="0" lvl="0" algn="l" rtl="0">
+              <a:lnSpc>
+                <a:spcPct val="100000"/>
+              </a:lnSpc>
+              <a:spcBef>
+                <a:spcPts val="0"/>
+              </a:spcBef>
+              <a:spcAft>
+                <a:spcPts val="0"/>
+              </a:spcAft>
+            </a:defPPr>
+            <a:lvl1pPr marL="457200" marR="0" lvl="0" indent="-301625" algn="l" rtl="0">
+              <a:lnSpc>
+                <a:spcPct val="100000"/>
+              </a:lnSpc>
+              <a:spcBef>
+                <a:spcPts val="0"/>
+              </a:spcBef>
+              <a:spcAft>
+                <a:spcPts val="0"/>
+              </a:spcAft>
+              <a:buClr>
+                <a:schemeClr val="lt1"/>
+              </a:buClr>
+              <a:buSzPts val="1150"/>
+              <a:buFont typeface="Montserrat"/>
+              <a:buChar char="●"/>
+              <a:defRPr sz="1150" b="0" i="0" u="none" strike="noStrike" cap="none">
+                <a:solidFill>
+                  <a:schemeClr val="lt1"/>
+                </a:solidFill>
+                <a:latin typeface="Montserrat"/>
+                <a:ea typeface="Montserrat"/>
+                <a:cs typeface="Montserrat"/>
+                <a:sym typeface="Montserrat"/>
+              </a:defRPr>
+            </a:lvl1pPr>
+            <a:lvl2pPr marL="914400" marR="0" lvl="1" indent="-301625" algn="l" rtl="0">
+              <a:lnSpc>
+                <a:spcPct val="100000"/>
+              </a:lnSpc>
+              <a:spcBef>
+                <a:spcPts val="1600"/>
+              </a:spcBef>
+              <a:spcAft>
+                <a:spcPts val="0"/>
+              </a:spcAft>
+              <a:buClr>
+                <a:schemeClr val="lt1"/>
+              </a:buClr>
+              <a:buSzPts val="1150"/>
+              <a:buFont typeface="Montserrat"/>
+              <a:buChar char="○"/>
+              <a:defRPr sz="1150" b="0" i="0" u="none" strike="noStrike" cap="none">
+                <a:solidFill>
+                  <a:schemeClr val="lt1"/>
+                </a:solidFill>
+                <a:latin typeface="Montserrat"/>
+                <a:ea typeface="Montserrat"/>
+                <a:cs typeface="Montserrat"/>
+                <a:sym typeface="Montserrat"/>
+              </a:defRPr>
+            </a:lvl2pPr>
+            <a:lvl3pPr marL="1371600" marR="0" lvl="2" indent="-301625" algn="l" rtl="0">
+              <a:lnSpc>
+                <a:spcPct val="100000"/>
+              </a:lnSpc>
+              <a:spcBef>
+                <a:spcPts val="1600"/>
+              </a:spcBef>
+              <a:spcAft>
+                <a:spcPts val="0"/>
+              </a:spcAft>
+              <a:buClr>
+                <a:schemeClr val="lt1"/>
+              </a:buClr>
+              <a:buSzPts val="1150"/>
+              <a:buFont typeface="Montserrat"/>
+              <a:buChar char="■"/>
+              <a:defRPr sz="1150" b="0" i="0" u="none" strike="noStrike" cap="none">
+                <a:solidFill>
+                  <a:schemeClr val="lt1"/>
+                </a:solidFill>
+                <a:latin typeface="Montserrat"/>
+                <a:ea typeface="Montserrat"/>
+                <a:cs typeface="Montserrat"/>
+                <a:sym typeface="Montserrat"/>
+              </a:defRPr>
+            </a:lvl3pPr>
+            <a:lvl4pPr marL="1828800" marR="0" lvl="3" indent="-301625" algn="l" rtl="0">
+              <a:lnSpc>
+                <a:spcPct val="100000"/>
+              </a:lnSpc>
+              <a:spcBef>
+                <a:spcPts val="1600"/>
+              </a:spcBef>
+              <a:spcAft>
+                <a:spcPts val="0"/>
+              </a:spcAft>
+              <a:buClr>
+                <a:schemeClr val="lt1"/>
+              </a:buClr>
+              <a:buSzPts val="1150"/>
+              <a:buFont typeface="Montserrat"/>
+              <a:buChar char="●"/>
+              <a:defRPr sz="1150" b="0" i="0" u="none" strike="noStrike" cap="none">
+                <a:solidFill>
+                  <a:schemeClr val="lt1"/>
+                </a:solidFill>
+                <a:latin typeface="Montserrat"/>
+                <a:ea typeface="Montserrat"/>
+                <a:cs typeface="Montserrat"/>
+                <a:sym typeface="Montserrat"/>
+              </a:defRPr>
+            </a:lvl4pPr>
+            <a:lvl5pPr marL="2286000" marR="0" lvl="4" indent="-301625" algn="l" rtl="0">
+              <a:lnSpc>
+                <a:spcPct val="100000"/>
+              </a:lnSpc>
+              <a:spcBef>
+                <a:spcPts val="1600"/>
+              </a:spcBef>
+              <a:spcAft>
+                <a:spcPts val="0"/>
+              </a:spcAft>
+              <a:buClr>
+                <a:schemeClr val="lt1"/>
+              </a:buClr>
+              <a:buSzPts val="1150"/>
+              <a:buFont typeface="Montserrat"/>
+              <a:buChar char="○"/>
+              <a:defRPr sz="1150" b="0" i="0" u="none" strike="noStrike" cap="none">
+                <a:solidFill>
+                  <a:schemeClr val="lt1"/>
+                </a:solidFill>
+                <a:latin typeface="Montserrat"/>
+                <a:ea typeface="Montserrat"/>
+                <a:cs typeface="Montserrat"/>
+                <a:sym typeface="Montserrat"/>
+              </a:defRPr>
+            </a:lvl5pPr>
+            <a:lvl6pPr marL="2743200" marR="0" lvl="5" indent="-301625" algn="l" rtl="0">
+              <a:lnSpc>
+                <a:spcPct val="100000"/>
+              </a:lnSpc>
+              <a:spcBef>
+                <a:spcPts val="1600"/>
+              </a:spcBef>
+              <a:spcAft>
+                <a:spcPts val="0"/>
+              </a:spcAft>
+              <a:buClr>
+                <a:schemeClr val="lt1"/>
+              </a:buClr>
+              <a:buSzPts val="1150"/>
+              <a:buFont typeface="Montserrat"/>
+              <a:buChar char="■"/>
+              <a:defRPr sz="1150" b="0" i="0" u="none" strike="noStrike" cap="none">
+                <a:solidFill>
+                  <a:schemeClr val="lt1"/>
+                </a:solidFill>
+                <a:latin typeface="Montserrat"/>
+                <a:ea typeface="Montserrat"/>
+                <a:cs typeface="Montserrat"/>
+                <a:sym typeface="Montserrat"/>
+              </a:defRPr>
+            </a:lvl6pPr>
+            <a:lvl7pPr marL="3200400" marR="0" lvl="6" indent="-301625" algn="l" rtl="0">
+              <a:lnSpc>
+                <a:spcPct val="100000"/>
+              </a:lnSpc>
+              <a:spcBef>
+                <a:spcPts val="1600"/>
+              </a:spcBef>
+              <a:spcAft>
+                <a:spcPts val="0"/>
+              </a:spcAft>
+              <a:buClr>
+                <a:schemeClr val="lt1"/>
+              </a:buClr>
+              <a:buSzPts val="1150"/>
+              <a:buFont typeface="Montserrat"/>
+              <a:buChar char="●"/>
+              <a:defRPr sz="1150" b="0" i="0" u="none" strike="noStrike" cap="none">
+                <a:solidFill>
+                  <a:schemeClr val="lt1"/>
+                </a:solidFill>
+                <a:latin typeface="Montserrat"/>
+                <a:ea typeface="Montserrat"/>
+                <a:cs typeface="Montserrat"/>
+                <a:sym typeface="Montserrat"/>
+              </a:defRPr>
+            </a:lvl7pPr>
+            <a:lvl8pPr marL="3657600" marR="0" lvl="7" indent="-301625" algn="l" rtl="0">
+              <a:lnSpc>
+                <a:spcPct val="100000"/>
+              </a:lnSpc>
+              <a:spcBef>
+                <a:spcPts val="1600"/>
+              </a:spcBef>
+              <a:spcAft>
+                <a:spcPts val="0"/>
+              </a:spcAft>
+              <a:buClr>
+                <a:schemeClr val="lt1"/>
+              </a:buClr>
+              <a:buSzPts val="1150"/>
+              <a:buFont typeface="Montserrat"/>
+              <a:buChar char="○"/>
+              <a:defRPr sz="1150" b="0" i="0" u="none" strike="noStrike" cap="none">
+                <a:solidFill>
+                  <a:schemeClr val="lt1"/>
+                </a:solidFill>
+                <a:latin typeface="Montserrat"/>
+                <a:ea typeface="Montserrat"/>
+                <a:cs typeface="Montserrat"/>
+                <a:sym typeface="Montserrat"/>
+              </a:defRPr>
+            </a:lvl8pPr>
+            <a:lvl9pPr marL="4114800" marR="0" lvl="8" indent="-301625" algn="l" rtl="0">
+              <a:lnSpc>
+                <a:spcPct val="100000"/>
+              </a:lnSpc>
+              <a:spcBef>
+                <a:spcPts val="1600"/>
+              </a:spcBef>
+              <a:spcAft>
+                <a:spcPts val="1600"/>
+              </a:spcAft>
+              <a:buClr>
+                <a:schemeClr val="lt1"/>
+              </a:buClr>
+              <a:buSzPts val="1150"/>
+              <a:buFont typeface="Montserrat"/>
+              <a:buChar char="■"/>
+              <a:defRPr sz="1150" b="0" i="0" u="none" strike="noStrike" cap="none">
+                <a:solidFill>
+                  <a:schemeClr val="lt1"/>
+                </a:solidFill>
+                <a:latin typeface="Montserrat"/>
+                <a:ea typeface="Montserrat"/>
+                <a:cs typeface="Montserrat"/>
+                <a:sym typeface="Montserrat"/>
+              </a:defRPr>
+            </a:lvl9pPr>
+          </a:lstStyle>
+          <a:p>
+            <a:pPr marL="155575" indent="0">
+              <a:lnSpc>
+                <a:spcPct val="150000"/>
+              </a:lnSpc>
+              <a:buFont typeface="Montserrat"/>
+              <a:buNone/>
+            </a:pPr>
+            <a:r>
+              <a:rPr lang="it-IT" sz="2000" dirty="0"/>
+              <a:t>MANAGE TIMEOUT</a:t>
+            </a:r>
+          </a:p>
+        </p:txBody>
+      </p:sp>
+      <p:sp>
+        <p:nvSpPr>
+          <p:cNvPr id="16" name="CasellaDiTesto 15">
+            <a:extLst>
+              <a:ext uri="{FF2B5EF4-FFF2-40B4-BE49-F238E27FC236}">
+                <a16:creationId xmlns:a16="http://schemas.microsoft.com/office/drawing/2014/main" id="{14AA9E8C-E107-49A2-9743-955FF07A3B2F}"/>
+              </a:ext>
+            </a:extLst>
+          </p:cNvPr>
+          <p:cNvSpPr txBox="1"/>
+          <p:nvPr/>
+        </p:nvSpPr>
+        <p:spPr>
+          <a:xfrm>
+            <a:off x="1869927" y="3079194"/>
+            <a:ext cx="2456051" cy="461665"/>
+          </a:xfrm>
+          <a:prstGeom prst="rect">
+            <a:avLst/>
+          </a:prstGeom>
+          <a:noFill/>
+        </p:spPr>
+        <p:txBody>
+          <a:bodyPr wrap="square" rtlCol="0">
+            <a:spAutoFit/>
+          </a:bodyPr>
+          <a:lstStyle/>
+          <a:p>
+            <a:pPr>
+              <a:buClr>
+                <a:schemeClr val="bg1"/>
+              </a:buClr>
+            </a:pPr>
+            <a:r>
+              <a:rPr lang="it-IT" sz="1200" dirty="0">
+                <a:solidFill>
+                  <a:schemeClr val="bg1"/>
+                </a:solidFill>
+                <a:latin typeface="Abadi" panose="020B0604020104020204" pitchFamily="34" charset="0"/>
+                <a:cs typeface="Courier New" panose="02070309020205020404" pitchFamily="49" charset="0"/>
+              </a:rPr>
+              <a:t>@</a:t>
+            </a:r>
+            <a:r>
+              <a:rPr lang="it-IT" sz="1200" dirty="0">
+                <a:solidFill>
+                  <a:schemeClr val="tx1">
+                    <a:lumMod val="25000"/>
+                    <a:lumOff val="75000"/>
+                  </a:schemeClr>
+                </a:solidFill>
+                <a:latin typeface="Abadi" panose="020B0604020104020204" pitchFamily="34" charset="0"/>
+                <a:cs typeface="Courier New" panose="02070309020205020404" pitchFamily="49" charset="0"/>
+              </a:rPr>
+              <a:t>Get</a:t>
+            </a:r>
+            <a:r>
+              <a:rPr lang="it-IT" sz="1200" dirty="0">
+                <a:solidFill>
+                  <a:schemeClr val="bg1"/>
+                </a:solidFill>
+                <a:latin typeface="Abadi" panose="020B0604020104020204" pitchFamily="34" charset="0"/>
+                <a:cs typeface="Courier New" panose="02070309020205020404" pitchFamily="49" charset="0"/>
+              </a:rPr>
+              <a:t>( </a:t>
+            </a:r>
+            <a:r>
+              <a:rPr lang="it-IT" sz="1200" dirty="0">
+                <a:solidFill>
+                  <a:schemeClr val="accent1">
+                    <a:lumMod val="75000"/>
+                  </a:schemeClr>
+                </a:solidFill>
+                <a:latin typeface="Abadi" panose="020B0604020104020204" pitchFamily="34" charset="0"/>
+                <a:cs typeface="Courier New" panose="02070309020205020404" pitchFamily="49" charset="0"/>
+              </a:rPr>
+              <a:t>″</a:t>
+            </a:r>
+            <a:r>
+              <a:rPr lang="it-IT" sz="1200" dirty="0" err="1">
+                <a:solidFill>
+                  <a:schemeClr val="accent1">
+                    <a:lumMod val="75000"/>
+                  </a:schemeClr>
+                </a:solidFill>
+                <a:latin typeface="Abadi" panose="020B0604020104020204" pitchFamily="34" charset="0"/>
+                <a:cs typeface="Courier New" panose="02070309020205020404" pitchFamily="49" charset="0"/>
+              </a:rPr>
+              <a:t>json</a:t>
+            </a:r>
+            <a:r>
+              <a:rPr lang="it-IT" sz="1200" dirty="0">
+                <a:solidFill>
+                  <a:schemeClr val="accent1">
+                    <a:lumMod val="75000"/>
+                  </a:schemeClr>
+                </a:solidFill>
+                <a:latin typeface="Abadi" panose="020B0604020104020204" pitchFamily="34" charset="0"/>
+                <a:cs typeface="Courier New" panose="02070309020205020404" pitchFamily="49" charset="0"/>
+              </a:rPr>
+              <a:t>″</a:t>
+            </a:r>
+            <a:r>
+              <a:rPr lang="it-IT" sz="1200" dirty="0">
+                <a:solidFill>
+                  <a:schemeClr val="bg1"/>
+                </a:solidFill>
+                <a:latin typeface="Abadi" panose="020B0604020104020204" pitchFamily="34" charset="0"/>
+                <a:cs typeface="Courier New" panose="02070309020205020404" pitchFamily="49" charset="0"/>
+              </a:rPr>
+              <a:t>), @</a:t>
+            </a:r>
+            <a:r>
+              <a:rPr lang="it-IT" sz="1200" dirty="0">
+                <a:solidFill>
+                  <a:schemeClr val="tx1">
+                    <a:lumMod val="25000"/>
+                    <a:lumOff val="75000"/>
+                  </a:schemeClr>
+                </a:solidFill>
+                <a:latin typeface="Abadi" panose="020B0604020104020204" pitchFamily="34" charset="0"/>
+                <a:cs typeface="Courier New" panose="02070309020205020404" pitchFamily="49" charset="0"/>
+              </a:rPr>
+              <a:t>Post</a:t>
+            </a:r>
+            <a:r>
+              <a:rPr lang="it-IT" sz="1200" dirty="0">
+                <a:solidFill>
+                  <a:schemeClr val="bg1"/>
+                </a:solidFill>
+                <a:latin typeface="Abadi" panose="020B0604020104020204" pitchFamily="34" charset="0"/>
+                <a:cs typeface="Courier New" panose="02070309020205020404" pitchFamily="49" charset="0"/>
+              </a:rPr>
+              <a:t>( </a:t>
+            </a:r>
+            <a:r>
+              <a:rPr lang="it-IT" sz="1200" dirty="0">
+                <a:solidFill>
+                  <a:schemeClr val="accent1">
+                    <a:lumMod val="75000"/>
+                  </a:schemeClr>
+                </a:solidFill>
+                <a:latin typeface="Abadi" panose="020B0604020104020204" pitchFamily="34" charset="0"/>
+                <a:cs typeface="Courier New" panose="02070309020205020404" pitchFamily="49" charset="0"/>
+              </a:rPr>
+              <a:t>″</a:t>
+            </a:r>
+            <a:r>
+              <a:rPr lang="it-IT" sz="1200" dirty="0" err="1">
+                <a:solidFill>
+                  <a:schemeClr val="accent1">
+                    <a:lumMod val="75000"/>
+                  </a:schemeClr>
+                </a:solidFill>
+                <a:latin typeface="Abadi" panose="020B0604020104020204" pitchFamily="34" charset="0"/>
+                <a:cs typeface="Courier New" panose="02070309020205020404" pitchFamily="49" charset="0"/>
+              </a:rPr>
+              <a:t>json</a:t>
+            </a:r>
+            <a:r>
+              <a:rPr lang="it-IT" sz="1200" dirty="0">
+                <a:solidFill>
+                  <a:schemeClr val="accent1">
+                    <a:lumMod val="75000"/>
+                  </a:schemeClr>
+                </a:solidFill>
+                <a:latin typeface="Abadi" panose="020B0604020104020204" pitchFamily="34" charset="0"/>
+                <a:cs typeface="Courier New" panose="02070309020205020404" pitchFamily="49" charset="0"/>
+              </a:rPr>
+              <a:t>″</a:t>
+            </a:r>
+            <a:r>
+              <a:rPr lang="it-IT" sz="1200" dirty="0">
+                <a:solidFill>
+                  <a:schemeClr val="bg1"/>
+                </a:solidFill>
+                <a:latin typeface="Abadi" panose="020B0604020104020204" pitchFamily="34" charset="0"/>
+                <a:cs typeface="Courier New" panose="02070309020205020404" pitchFamily="49" charset="0"/>
+              </a:rPr>
+              <a:t>)</a:t>
+            </a:r>
+            <a:endParaRPr lang="it-IT" sz="1200" dirty="0">
+              <a:solidFill>
+                <a:schemeClr val="accent1">
+                  <a:lumMod val="75000"/>
+                </a:schemeClr>
+              </a:solidFill>
+              <a:latin typeface="Courier New" panose="02070309020205020404" pitchFamily="49" charset="0"/>
+              <a:cs typeface="Courier New" panose="02070309020205020404" pitchFamily="49" charset="0"/>
+            </a:endParaRPr>
+          </a:p>
+          <a:p>
+            <a:pPr>
+              <a:buClr>
+                <a:schemeClr val="bg1"/>
+              </a:buClr>
+            </a:pPr>
+            <a:r>
+              <a:rPr lang="it-IT" sz="1200" dirty="0">
+                <a:solidFill>
+                  <a:schemeClr val="bg1"/>
+                </a:solidFill>
+                <a:latin typeface="Abadi" panose="020B0604020104020204" pitchFamily="34" charset="0"/>
+                <a:cs typeface="Courier New" panose="02070309020205020404" pitchFamily="49" charset="0"/>
+              </a:rPr>
+              <a:t> </a:t>
+            </a:r>
+            <a:endParaRPr lang="it-IT" sz="1200" dirty="0">
+              <a:solidFill>
+                <a:schemeClr val="accent1">
+                  <a:lumMod val="75000"/>
+                </a:schemeClr>
+              </a:solidFill>
+              <a:latin typeface="Courier New" panose="02070309020205020404" pitchFamily="49" charset="0"/>
+              <a:cs typeface="Courier New" panose="02070309020205020404" pitchFamily="49" charset="0"/>
+            </a:endParaRPr>
+          </a:p>
+        </p:txBody>
+      </p:sp>
+      <p:cxnSp>
+        <p:nvCxnSpPr>
+          <p:cNvPr id="17" name="Google Shape;172;p39">
+            <a:extLst>
+              <a:ext uri="{FF2B5EF4-FFF2-40B4-BE49-F238E27FC236}">
+                <a16:creationId xmlns:a16="http://schemas.microsoft.com/office/drawing/2014/main" id="{A410BC41-F61B-4510-9DAD-81C4AA48EB34}"/>
+              </a:ext>
+            </a:extLst>
+          </p:cNvPr>
+          <p:cNvCxnSpPr>
+            <a:cxnSpLocks/>
+          </p:cNvCxnSpPr>
+          <p:nvPr/>
+        </p:nvCxnSpPr>
+        <p:spPr>
+          <a:xfrm>
+            <a:off x="1927352" y="3414991"/>
+            <a:ext cx="2556730" cy="0"/>
+          </a:xfrm>
+          <a:prstGeom prst="straightConnector1">
+            <a:avLst/>
+          </a:prstGeom>
+          <a:noFill/>
+          <a:ln w="9525" cap="flat" cmpd="sng">
+            <a:solidFill>
+              <a:schemeClr val="bg2">
+                <a:lumMod val="75000"/>
+              </a:schemeClr>
+            </a:solidFill>
+            <a:prstDash val="solid"/>
+            <a:round/>
+            <a:headEnd type="none" w="med" len="med"/>
+            <a:tailEnd type="none" w="med" len="med"/>
+          </a:ln>
+          <a:effectLst>
+            <a:outerShdw blurRad="57150" dist="19050" dir="5400000" algn="bl" rotWithShape="0">
+              <a:srgbClr val="FFFFFF">
+                <a:alpha val="50000"/>
+              </a:srgbClr>
+            </a:outerShdw>
+          </a:effectLst>
+        </p:spPr>
+      </p:cxnSp>
+      <p:sp>
+        <p:nvSpPr>
+          <p:cNvPr id="18" name="CasellaDiTesto 17">
+            <a:extLst>
+              <a:ext uri="{FF2B5EF4-FFF2-40B4-BE49-F238E27FC236}">
+                <a16:creationId xmlns:a16="http://schemas.microsoft.com/office/drawing/2014/main" id="{43136750-FF83-42EE-B5DF-A293ADB5138D}"/>
+              </a:ext>
+            </a:extLst>
+          </p:cNvPr>
+          <p:cNvSpPr txBox="1"/>
+          <p:nvPr/>
+        </p:nvSpPr>
+        <p:spPr>
+          <a:xfrm>
+            <a:off x="1956017" y="3931913"/>
+            <a:ext cx="3280065" cy="338106"/>
+          </a:xfrm>
+          <a:prstGeom prst="rect">
+            <a:avLst/>
+          </a:prstGeom>
+          <a:noFill/>
+        </p:spPr>
+        <p:txBody>
+          <a:bodyPr wrap="none" rtlCol="0">
+            <a:spAutoFit/>
+          </a:bodyPr>
+          <a:lstStyle/>
+          <a:p>
+            <a:pPr marL="285750" indent="-285750">
+              <a:lnSpc>
+                <a:spcPct val="150000"/>
+              </a:lnSpc>
+              <a:buClr>
+                <a:schemeClr val="bg1"/>
+              </a:buClr>
+              <a:buFont typeface="Arial" panose="020B0604020202020204" pitchFamily="34" charset="0"/>
+              <a:buChar char="•"/>
+            </a:pPr>
+            <a:r>
+              <a:rPr lang="it-IT" sz="1200" b="1" dirty="0">
+                <a:solidFill>
+                  <a:schemeClr val="bg1"/>
+                </a:solidFill>
+                <a:latin typeface="Montserrat" panose="00000500000000000000" pitchFamily="2" charset="0"/>
+              </a:rPr>
+              <a:t>Read </a:t>
+            </a:r>
+            <a:r>
+              <a:rPr lang="it-IT" sz="1200" dirty="0">
+                <a:solidFill>
+                  <a:schemeClr val="bg1"/>
+                </a:solidFill>
+                <a:latin typeface="Montserrat" panose="00000500000000000000" pitchFamily="2" charset="0"/>
+              </a:rPr>
+              <a:t>or</a:t>
+            </a:r>
+            <a:r>
+              <a:rPr lang="it-IT" sz="1200" b="1" dirty="0">
+                <a:solidFill>
+                  <a:schemeClr val="bg1"/>
+                </a:solidFill>
+                <a:latin typeface="Montserrat" panose="00000500000000000000" pitchFamily="2" charset="0"/>
+              </a:rPr>
+              <a:t> </a:t>
+            </a:r>
+            <a:r>
+              <a:rPr lang="it-IT" sz="1200" b="1" dirty="0" err="1">
+                <a:solidFill>
+                  <a:schemeClr val="bg1"/>
+                </a:solidFill>
+                <a:latin typeface="Montserrat" panose="00000500000000000000" pitchFamily="2" charset="0"/>
+              </a:rPr>
+              <a:t>Change</a:t>
+            </a:r>
+            <a:r>
+              <a:rPr lang="it-IT" sz="1200" b="1" dirty="0">
+                <a:solidFill>
+                  <a:schemeClr val="bg1"/>
+                </a:solidFill>
+                <a:latin typeface="Montserrat" panose="00000500000000000000" pitchFamily="2" charset="0"/>
+              </a:rPr>
+              <a:t> </a:t>
+            </a:r>
+            <a:r>
+              <a:rPr lang="it-IT" sz="1200" dirty="0" err="1">
+                <a:solidFill>
+                  <a:schemeClr val="bg1"/>
+                </a:solidFill>
+                <a:latin typeface="Montserrat" panose="00000500000000000000" pitchFamily="2" charset="0"/>
+              </a:rPr>
+              <a:t>deny</a:t>
+            </a:r>
+            <a:r>
+              <a:rPr lang="it-IT" sz="1200" b="1" dirty="0">
+                <a:solidFill>
+                  <a:schemeClr val="bg1"/>
+                </a:solidFill>
+                <a:latin typeface="Montserrat" panose="00000500000000000000" pitchFamily="2" charset="0"/>
+              </a:rPr>
+              <a:t> </a:t>
+            </a:r>
+            <a:r>
+              <a:rPr lang="it-IT" sz="1200" dirty="0" err="1">
+                <a:solidFill>
+                  <a:schemeClr val="bg1"/>
+                </a:solidFill>
+                <a:latin typeface="Montserrat" panose="00000500000000000000" pitchFamily="2" charset="0"/>
+              </a:rPr>
+              <a:t>tiemout</a:t>
+            </a:r>
+            <a:r>
+              <a:rPr lang="it-IT" sz="1200" dirty="0">
+                <a:solidFill>
+                  <a:schemeClr val="bg1"/>
+                </a:solidFill>
+                <a:latin typeface="Montserrat" panose="00000500000000000000" pitchFamily="2" charset="0"/>
+              </a:rPr>
+              <a:t> </a:t>
+            </a:r>
+            <a:r>
+              <a:rPr lang="it-IT" sz="1200" dirty="0" err="1">
+                <a:solidFill>
+                  <a:schemeClr val="bg1"/>
+                </a:solidFill>
+                <a:latin typeface="Montserrat" panose="00000500000000000000" pitchFamily="2" charset="0"/>
+              </a:rPr>
+              <a:t>value</a:t>
+            </a:r>
+            <a:endParaRPr lang="it-IT" sz="1200" dirty="0">
+              <a:solidFill>
+                <a:schemeClr val="bg1"/>
+              </a:solidFill>
+              <a:latin typeface="Montserrat" panose="00000500000000000000" pitchFamily="2" charset="0"/>
+            </a:endParaRPr>
+          </a:p>
+        </p:txBody>
+      </p:sp>
     </p:spTree>
     <p:extLst>
       <p:ext uri="{BB962C8B-B14F-4D97-AF65-F5344CB8AC3E}">
@@ -10385,7 +12538,7 @@
         </p:nvSpPr>
         <p:spPr>
           <a:xfrm>
-            <a:off x="983007" y="2355773"/>
+            <a:off x="1157254" y="2355773"/>
             <a:ext cx="2631946" cy="1235100"/>
           </a:xfrm>
           <a:prstGeom prst="rect">
@@ -10558,7 +12711,7 @@
         </p:nvCxnSpPr>
         <p:spPr>
           <a:xfrm>
-            <a:off x="2284003" y="2291796"/>
+            <a:off x="2271800" y="2291796"/>
             <a:ext cx="271800" cy="0"/>
           </a:xfrm>
           <a:prstGeom prst="straightConnector1">
@@ -10935,7 +13088,7 @@
         </p:blipFill>
         <p:spPr>
           <a:xfrm>
-            <a:off x="1841780" y="3415821"/>
+            <a:off x="1962703" y="3398771"/>
             <a:ext cx="914400" cy="914400"/>
           </a:xfrm>
           <a:prstGeom prst="rect">
